--- a/信靠每一句應許.pptx
+++ b/信靠每一句應許.pptx
@@ -7,6 +7,10 @@
   <p:sldIdLst>
     <p:sldId id="257" r:id="rId2"/>
     <p:sldId id="258" r:id="rId3"/>
+    <p:sldId id="259" r:id="rId4"/>
+    <p:sldId id="260" r:id="rId5"/>
+    <p:sldId id="261" r:id="rId6"/>
+    <p:sldId id="262" r:id="rId7"/>
   </p:sldIdLst>
   <p:sldSz cx="12192000" cy="6858000"/>
   <p:notesSz cx="6858000" cy="9144000"/>
@@ -287,9 +291,9 @@
           <a:bodyPr/>
           <a:lstStyle/>
           <a:p>
-            <a:fld id="{6CC624BB-BCE9-4E43-9C41-4BB06D2457BB}" type="datetimeFigureOut">
+            <a:fld id="{5B133239-F33A-473A-B6EE-49591CBAB693}" type="datetimeFigureOut">
               <a:rPr lang="vi-VN" smtClean="0"/>
-              <a:t>28/08/2020</a:t>
+              <a:t>16/07/2022</a:t>
             </a:fld>
             <a:endParaRPr lang="vi-VN"/>
           </a:p>
@@ -329,7 +333,7 @@
           <a:bodyPr/>
           <a:lstStyle/>
           <a:p>
-            <a:fld id="{96ED58FC-2DF6-4229-939D-7BC1041DBFA8}" type="slidenum">
+            <a:fld id="{2306A848-F9AE-49D2-92FC-7B262DA10BA6}" type="slidenum">
               <a:rPr lang="vi-VN" smtClean="0"/>
               <a:t>‹#›</a:t>
             </a:fld>
@@ -340,7 +344,7 @@
     </p:spTree>
     <p:extLst>
       <p:ext uri="{BB962C8B-B14F-4D97-AF65-F5344CB8AC3E}">
-        <p14:creationId xmlns:p14="http://schemas.microsoft.com/office/powerpoint/2010/main" val="2640388735"/>
+        <p14:creationId xmlns:p14="http://schemas.microsoft.com/office/powerpoint/2010/main" val="1624115624"/>
       </p:ext>
     </p:extLst>
   </p:cSld>
@@ -457,9 +461,9 @@
           <a:bodyPr/>
           <a:lstStyle/>
           <a:p>
-            <a:fld id="{6CC624BB-BCE9-4E43-9C41-4BB06D2457BB}" type="datetimeFigureOut">
+            <a:fld id="{5B133239-F33A-473A-B6EE-49591CBAB693}" type="datetimeFigureOut">
               <a:rPr lang="vi-VN" smtClean="0"/>
-              <a:t>28/08/2020</a:t>
+              <a:t>16/07/2022</a:t>
             </a:fld>
             <a:endParaRPr lang="vi-VN"/>
           </a:p>
@@ -499,7 +503,7 @@
           <a:bodyPr/>
           <a:lstStyle/>
           <a:p>
-            <a:fld id="{96ED58FC-2DF6-4229-939D-7BC1041DBFA8}" type="slidenum">
+            <a:fld id="{2306A848-F9AE-49D2-92FC-7B262DA10BA6}" type="slidenum">
               <a:rPr lang="vi-VN" smtClean="0"/>
               <a:t>‹#›</a:t>
             </a:fld>
@@ -510,7 +514,7 @@
     </p:spTree>
     <p:extLst>
       <p:ext uri="{BB962C8B-B14F-4D97-AF65-F5344CB8AC3E}">
-        <p14:creationId xmlns:p14="http://schemas.microsoft.com/office/powerpoint/2010/main" val="1037275725"/>
+        <p14:creationId xmlns:p14="http://schemas.microsoft.com/office/powerpoint/2010/main" val="81897522"/>
       </p:ext>
     </p:extLst>
   </p:cSld>
@@ -637,9 +641,9 @@
           <a:bodyPr/>
           <a:lstStyle/>
           <a:p>
-            <a:fld id="{6CC624BB-BCE9-4E43-9C41-4BB06D2457BB}" type="datetimeFigureOut">
+            <a:fld id="{5B133239-F33A-473A-B6EE-49591CBAB693}" type="datetimeFigureOut">
               <a:rPr lang="vi-VN" smtClean="0"/>
-              <a:t>28/08/2020</a:t>
+              <a:t>16/07/2022</a:t>
             </a:fld>
             <a:endParaRPr lang="vi-VN"/>
           </a:p>
@@ -679,7 +683,7 @@
           <a:bodyPr/>
           <a:lstStyle/>
           <a:p>
-            <a:fld id="{96ED58FC-2DF6-4229-939D-7BC1041DBFA8}" type="slidenum">
+            <a:fld id="{2306A848-F9AE-49D2-92FC-7B262DA10BA6}" type="slidenum">
               <a:rPr lang="vi-VN" smtClean="0"/>
               <a:t>‹#›</a:t>
             </a:fld>
@@ -690,7 +694,7 @@
     </p:spTree>
     <p:extLst>
       <p:ext uri="{BB962C8B-B14F-4D97-AF65-F5344CB8AC3E}">
-        <p14:creationId xmlns:p14="http://schemas.microsoft.com/office/powerpoint/2010/main" val="3126437859"/>
+        <p14:creationId xmlns:p14="http://schemas.microsoft.com/office/powerpoint/2010/main" val="3894608579"/>
       </p:ext>
     </p:extLst>
   </p:cSld>
@@ -807,9 +811,9 @@
           <a:bodyPr/>
           <a:lstStyle/>
           <a:p>
-            <a:fld id="{6CC624BB-BCE9-4E43-9C41-4BB06D2457BB}" type="datetimeFigureOut">
+            <a:fld id="{5B133239-F33A-473A-B6EE-49591CBAB693}" type="datetimeFigureOut">
               <a:rPr lang="vi-VN" smtClean="0"/>
-              <a:t>28/08/2020</a:t>
+              <a:t>16/07/2022</a:t>
             </a:fld>
             <a:endParaRPr lang="vi-VN"/>
           </a:p>
@@ -849,7 +853,7 @@
           <a:bodyPr/>
           <a:lstStyle/>
           <a:p>
-            <a:fld id="{96ED58FC-2DF6-4229-939D-7BC1041DBFA8}" type="slidenum">
+            <a:fld id="{2306A848-F9AE-49D2-92FC-7B262DA10BA6}" type="slidenum">
               <a:rPr lang="vi-VN" smtClean="0"/>
               <a:t>‹#›</a:t>
             </a:fld>
@@ -860,7 +864,7 @@
     </p:spTree>
     <p:extLst>
       <p:ext uri="{BB962C8B-B14F-4D97-AF65-F5344CB8AC3E}">
-        <p14:creationId xmlns:p14="http://schemas.microsoft.com/office/powerpoint/2010/main" val="3092794407"/>
+        <p14:creationId xmlns:p14="http://schemas.microsoft.com/office/powerpoint/2010/main" val="417445740"/>
       </p:ext>
     </p:extLst>
   </p:cSld>
@@ -1053,9 +1057,9 @@
           <a:bodyPr/>
           <a:lstStyle/>
           <a:p>
-            <a:fld id="{6CC624BB-BCE9-4E43-9C41-4BB06D2457BB}" type="datetimeFigureOut">
+            <a:fld id="{5B133239-F33A-473A-B6EE-49591CBAB693}" type="datetimeFigureOut">
               <a:rPr lang="vi-VN" smtClean="0"/>
-              <a:t>28/08/2020</a:t>
+              <a:t>16/07/2022</a:t>
             </a:fld>
             <a:endParaRPr lang="vi-VN"/>
           </a:p>
@@ -1095,7 +1099,7 @@
           <a:bodyPr/>
           <a:lstStyle/>
           <a:p>
-            <a:fld id="{96ED58FC-2DF6-4229-939D-7BC1041DBFA8}" type="slidenum">
+            <a:fld id="{2306A848-F9AE-49D2-92FC-7B262DA10BA6}" type="slidenum">
               <a:rPr lang="vi-VN" smtClean="0"/>
               <a:t>‹#›</a:t>
             </a:fld>
@@ -1106,7 +1110,7 @@
     </p:spTree>
     <p:extLst>
       <p:ext uri="{BB962C8B-B14F-4D97-AF65-F5344CB8AC3E}">
-        <p14:creationId xmlns:p14="http://schemas.microsoft.com/office/powerpoint/2010/main" val="3030927492"/>
+        <p14:creationId xmlns:p14="http://schemas.microsoft.com/office/powerpoint/2010/main" val="3246171506"/>
       </p:ext>
     </p:extLst>
   </p:cSld>
@@ -1341,9 +1345,9 @@
           <a:bodyPr/>
           <a:lstStyle/>
           <a:p>
-            <a:fld id="{6CC624BB-BCE9-4E43-9C41-4BB06D2457BB}" type="datetimeFigureOut">
+            <a:fld id="{5B133239-F33A-473A-B6EE-49591CBAB693}" type="datetimeFigureOut">
               <a:rPr lang="vi-VN" smtClean="0"/>
-              <a:t>28/08/2020</a:t>
+              <a:t>16/07/2022</a:t>
             </a:fld>
             <a:endParaRPr lang="vi-VN"/>
           </a:p>
@@ -1383,7 +1387,7 @@
           <a:bodyPr/>
           <a:lstStyle/>
           <a:p>
-            <a:fld id="{96ED58FC-2DF6-4229-939D-7BC1041DBFA8}" type="slidenum">
+            <a:fld id="{2306A848-F9AE-49D2-92FC-7B262DA10BA6}" type="slidenum">
               <a:rPr lang="vi-VN" smtClean="0"/>
               <a:t>‹#›</a:t>
             </a:fld>
@@ -1394,7 +1398,7 @@
     </p:spTree>
     <p:extLst>
       <p:ext uri="{BB962C8B-B14F-4D97-AF65-F5344CB8AC3E}">
-        <p14:creationId xmlns:p14="http://schemas.microsoft.com/office/powerpoint/2010/main" val="2276160930"/>
+        <p14:creationId xmlns:p14="http://schemas.microsoft.com/office/powerpoint/2010/main" val="3995630375"/>
       </p:ext>
     </p:extLst>
   </p:cSld>
@@ -1763,9 +1767,9 @@
           <a:bodyPr/>
           <a:lstStyle/>
           <a:p>
-            <a:fld id="{6CC624BB-BCE9-4E43-9C41-4BB06D2457BB}" type="datetimeFigureOut">
+            <a:fld id="{5B133239-F33A-473A-B6EE-49591CBAB693}" type="datetimeFigureOut">
               <a:rPr lang="vi-VN" smtClean="0"/>
-              <a:t>28/08/2020</a:t>
+              <a:t>16/07/2022</a:t>
             </a:fld>
             <a:endParaRPr lang="vi-VN"/>
           </a:p>
@@ -1805,7 +1809,7 @@
           <a:bodyPr/>
           <a:lstStyle/>
           <a:p>
-            <a:fld id="{96ED58FC-2DF6-4229-939D-7BC1041DBFA8}" type="slidenum">
+            <a:fld id="{2306A848-F9AE-49D2-92FC-7B262DA10BA6}" type="slidenum">
               <a:rPr lang="vi-VN" smtClean="0"/>
               <a:t>‹#›</a:t>
             </a:fld>
@@ -1816,7 +1820,7 @@
     </p:spTree>
     <p:extLst>
       <p:ext uri="{BB962C8B-B14F-4D97-AF65-F5344CB8AC3E}">
-        <p14:creationId xmlns:p14="http://schemas.microsoft.com/office/powerpoint/2010/main" val="2633872409"/>
+        <p14:creationId xmlns:p14="http://schemas.microsoft.com/office/powerpoint/2010/main" val="1913108130"/>
       </p:ext>
     </p:extLst>
   </p:cSld>
@@ -1881,9 +1885,9 @@
           <a:bodyPr/>
           <a:lstStyle/>
           <a:p>
-            <a:fld id="{6CC624BB-BCE9-4E43-9C41-4BB06D2457BB}" type="datetimeFigureOut">
+            <a:fld id="{5B133239-F33A-473A-B6EE-49591CBAB693}" type="datetimeFigureOut">
               <a:rPr lang="vi-VN" smtClean="0"/>
-              <a:t>28/08/2020</a:t>
+              <a:t>16/07/2022</a:t>
             </a:fld>
             <a:endParaRPr lang="vi-VN"/>
           </a:p>
@@ -1923,7 +1927,7 @@
           <a:bodyPr/>
           <a:lstStyle/>
           <a:p>
-            <a:fld id="{96ED58FC-2DF6-4229-939D-7BC1041DBFA8}" type="slidenum">
+            <a:fld id="{2306A848-F9AE-49D2-92FC-7B262DA10BA6}" type="slidenum">
               <a:rPr lang="vi-VN" smtClean="0"/>
               <a:t>‹#›</a:t>
             </a:fld>
@@ -1934,7 +1938,7 @@
     </p:spTree>
     <p:extLst>
       <p:ext uri="{BB962C8B-B14F-4D97-AF65-F5344CB8AC3E}">
-        <p14:creationId xmlns:p14="http://schemas.microsoft.com/office/powerpoint/2010/main" val="1014860430"/>
+        <p14:creationId xmlns:p14="http://schemas.microsoft.com/office/powerpoint/2010/main" val="2929460963"/>
       </p:ext>
     </p:extLst>
   </p:cSld>
@@ -1976,9 +1980,9 @@
           <a:bodyPr/>
           <a:lstStyle/>
           <a:p>
-            <a:fld id="{6CC624BB-BCE9-4E43-9C41-4BB06D2457BB}" type="datetimeFigureOut">
+            <a:fld id="{5B133239-F33A-473A-B6EE-49591CBAB693}" type="datetimeFigureOut">
               <a:rPr lang="vi-VN" smtClean="0"/>
-              <a:t>28/08/2020</a:t>
+              <a:t>16/07/2022</a:t>
             </a:fld>
             <a:endParaRPr lang="vi-VN"/>
           </a:p>
@@ -2018,7 +2022,7 @@
           <a:bodyPr/>
           <a:lstStyle/>
           <a:p>
-            <a:fld id="{96ED58FC-2DF6-4229-939D-7BC1041DBFA8}" type="slidenum">
+            <a:fld id="{2306A848-F9AE-49D2-92FC-7B262DA10BA6}" type="slidenum">
               <a:rPr lang="vi-VN" smtClean="0"/>
               <a:t>‹#›</a:t>
             </a:fld>
@@ -2029,7 +2033,7 @@
     </p:spTree>
     <p:extLst>
       <p:ext uri="{BB962C8B-B14F-4D97-AF65-F5344CB8AC3E}">
-        <p14:creationId xmlns:p14="http://schemas.microsoft.com/office/powerpoint/2010/main" val="1007538438"/>
+        <p14:creationId xmlns:p14="http://schemas.microsoft.com/office/powerpoint/2010/main" val="4066043631"/>
       </p:ext>
     </p:extLst>
   </p:cSld>
@@ -2253,9 +2257,9 @@
           <a:bodyPr/>
           <a:lstStyle/>
           <a:p>
-            <a:fld id="{6CC624BB-BCE9-4E43-9C41-4BB06D2457BB}" type="datetimeFigureOut">
+            <a:fld id="{5B133239-F33A-473A-B6EE-49591CBAB693}" type="datetimeFigureOut">
               <a:rPr lang="vi-VN" smtClean="0"/>
-              <a:t>28/08/2020</a:t>
+              <a:t>16/07/2022</a:t>
             </a:fld>
             <a:endParaRPr lang="vi-VN"/>
           </a:p>
@@ -2295,7 +2299,7 @@
           <a:bodyPr/>
           <a:lstStyle/>
           <a:p>
-            <a:fld id="{96ED58FC-2DF6-4229-939D-7BC1041DBFA8}" type="slidenum">
+            <a:fld id="{2306A848-F9AE-49D2-92FC-7B262DA10BA6}" type="slidenum">
               <a:rPr lang="vi-VN" smtClean="0"/>
               <a:t>‹#›</a:t>
             </a:fld>
@@ -2306,7 +2310,7 @@
     </p:spTree>
     <p:extLst>
       <p:ext uri="{BB962C8B-B14F-4D97-AF65-F5344CB8AC3E}">
-        <p14:creationId xmlns:p14="http://schemas.microsoft.com/office/powerpoint/2010/main" val="32090885"/>
+        <p14:creationId xmlns:p14="http://schemas.microsoft.com/office/powerpoint/2010/main" val="1743983780"/>
       </p:ext>
     </p:extLst>
   </p:cSld>
@@ -2510,9 +2514,9 @@
           <a:bodyPr/>
           <a:lstStyle/>
           <a:p>
-            <a:fld id="{6CC624BB-BCE9-4E43-9C41-4BB06D2457BB}" type="datetimeFigureOut">
+            <a:fld id="{5B133239-F33A-473A-B6EE-49591CBAB693}" type="datetimeFigureOut">
               <a:rPr lang="vi-VN" smtClean="0"/>
-              <a:t>28/08/2020</a:t>
+              <a:t>16/07/2022</a:t>
             </a:fld>
             <a:endParaRPr lang="vi-VN"/>
           </a:p>
@@ -2552,7 +2556,7 @@
           <a:bodyPr/>
           <a:lstStyle/>
           <a:p>
-            <a:fld id="{96ED58FC-2DF6-4229-939D-7BC1041DBFA8}" type="slidenum">
+            <a:fld id="{2306A848-F9AE-49D2-92FC-7B262DA10BA6}" type="slidenum">
               <a:rPr lang="vi-VN" smtClean="0"/>
               <a:t>‹#›</a:t>
             </a:fld>
@@ -2563,7 +2567,7 @@
     </p:spTree>
     <p:extLst>
       <p:ext uri="{BB962C8B-B14F-4D97-AF65-F5344CB8AC3E}">
-        <p14:creationId xmlns:p14="http://schemas.microsoft.com/office/powerpoint/2010/main" val="1032664279"/>
+        <p14:creationId xmlns:p14="http://schemas.microsoft.com/office/powerpoint/2010/main" val="3730589340"/>
       </p:ext>
     </p:extLst>
   </p:cSld>
@@ -2728,9 +2732,9 @@
             </a:lvl1pPr>
           </a:lstStyle>
           <a:p>
-            <a:fld id="{6CC624BB-BCE9-4E43-9C41-4BB06D2457BB}" type="datetimeFigureOut">
+            <a:fld id="{5B133239-F33A-473A-B6EE-49591CBAB693}" type="datetimeFigureOut">
               <a:rPr lang="vi-VN" smtClean="0"/>
-              <a:t>28/08/2020</a:t>
+              <a:t>16/07/2022</a:t>
             </a:fld>
             <a:endParaRPr lang="vi-VN"/>
           </a:p>
@@ -2806,7 +2810,7 @@
             </a:lvl1pPr>
           </a:lstStyle>
           <a:p>
-            <a:fld id="{96ED58FC-2DF6-4229-939D-7BC1041DBFA8}" type="slidenum">
+            <a:fld id="{2306A848-F9AE-49D2-92FC-7B262DA10BA6}" type="slidenum">
               <a:rPr lang="vi-VN" smtClean="0"/>
               <a:t>‹#›</a:t>
             </a:fld>
@@ -2817,7 +2821,7 @@
     </p:spTree>
     <p:extLst>
       <p:ext uri="{BB962C8B-B14F-4D97-AF65-F5344CB8AC3E}">
-        <p14:creationId xmlns:p14="http://schemas.microsoft.com/office/powerpoint/2010/main" val="3138236834"/>
+        <p14:creationId xmlns:p14="http://schemas.microsoft.com/office/powerpoint/2010/main" val="492499109"/>
       </p:ext>
     </p:extLst>
   </p:cSld>
@@ -3107,245 +3111,67 @@
       </p:grpSpPr>
       <p:sp>
         <p:nvSpPr>
-          <p:cNvPr id="2" name="Title 1"/>
+          <p:cNvPr id="4" name="標題 3"/>
           <p:cNvSpPr>
             <a:spLocks noGrp="1"/>
           </p:cNvSpPr>
           <p:nvPr>
             <p:ph type="title"/>
-          </p:nvPr>
-        </p:nvSpPr>
-        <p:spPr/>
-        <p:txBody>
-          <a:bodyPr>
-            <a:normAutofit/>
-          </a:bodyPr>
-          <a:lstStyle/>
-          <a:p>
-            <a:r>
-              <a:rPr lang="zh-TW" altLang="en-US" sz="4800" b="1" dirty="0">
-                <a:latin typeface="Microsoft JhengHei" panose="020B0604030504040204" pitchFamily="34" charset="-120"/>
-                <a:ea typeface="Microsoft JhengHei" panose="020B0604030504040204" pitchFamily="34" charset="-120"/>
-              </a:rPr>
-              <a:t>信靠每一句應許</a:t>
-            </a:r>
-            <a:endParaRPr lang="vi-VN" sz="4800" b="1" dirty="0">
-              <a:ea typeface="Microsoft JhengHei" panose="020B0604030504040204" pitchFamily="34" charset="-120"/>
-            </a:endParaRPr>
-          </a:p>
-        </p:txBody>
-      </p:sp>
-      <p:sp>
-        <p:nvSpPr>
-          <p:cNvPr id="3" name="Content Placeholder 2"/>
-          <p:cNvSpPr>
-            <a:spLocks noGrp="1"/>
-          </p:cNvSpPr>
-          <p:nvPr>
-            <p:ph idx="1"/>
           </p:nvPr>
         </p:nvSpPr>
         <p:spPr>
           <a:xfrm>
-            <a:off x="609600" y="1600201"/>
-            <a:ext cx="10972800" cy="5257799"/>
+            <a:off x="0" y="2660915"/>
+            <a:ext cx="12192000" cy="1143000"/>
           </a:xfrm>
         </p:spPr>
         <p:txBody>
           <a:bodyPr>
-            <a:normAutofit/>
+            <a:noAutofit/>
           </a:bodyPr>
           <a:lstStyle/>
           <a:p>
-            <a:pPr marL="0" indent="0" algn="ctr">
-              <a:buNone/>
-            </a:pPr>
-            <a:r>
-              <a:rPr lang="zh-TW" altLang="en-US" sz="5400" b="1" dirty="0" smtClean="0">
-                <a:latin typeface="Microsoft JhengHei" panose="020B0604030504040204" pitchFamily="34" charset="-120"/>
-                <a:ea typeface="Microsoft JhengHei" panose="020B0604030504040204" pitchFamily="34" charset="-120"/>
-              </a:rPr>
-              <a:t>主</a:t>
-            </a:r>
-            <a:r>
-              <a:rPr lang="zh-CN" altLang="en-US" sz="5400" b="1" dirty="0" smtClean="0">
-                <a:latin typeface="Microsoft JhengHei" panose="020B0604030504040204" pitchFamily="34" charset="-120"/>
-                <a:ea typeface="Microsoft JhengHei" panose="020B0604030504040204" pitchFamily="34" charset="-120"/>
-              </a:rPr>
-              <a:t>袮</a:t>
-            </a:r>
-            <a:r>
-              <a:rPr lang="zh-TW" altLang="en-US" sz="5400" b="1" dirty="0" smtClean="0">
-                <a:latin typeface="Microsoft JhengHei" panose="020B0604030504040204" pitchFamily="34" charset="-120"/>
-                <a:ea typeface="Microsoft JhengHei" panose="020B0604030504040204" pitchFamily="34" charset="-120"/>
-              </a:rPr>
-              <a:t>使</a:t>
-            </a:r>
-            <a:r>
-              <a:rPr lang="zh-TW" altLang="en-US" sz="5400" b="1" dirty="0">
-                <a:latin typeface="Microsoft JhengHei" panose="020B0604030504040204" pitchFamily="34" charset="-120"/>
-                <a:ea typeface="Microsoft JhengHei" panose="020B0604030504040204" pitchFamily="34" charset="-120"/>
-              </a:rPr>
-              <a:t>卑微轉為尊</a:t>
-            </a:r>
-            <a:r>
-              <a:rPr lang="zh-TW" altLang="en-US" sz="5400" b="1" dirty="0" smtClean="0">
-                <a:latin typeface="Microsoft JhengHei" panose="020B0604030504040204" pitchFamily="34" charset="-120"/>
-                <a:ea typeface="Microsoft JhengHei" panose="020B0604030504040204" pitchFamily="34" charset="-120"/>
-              </a:rPr>
-              <a:t>貴</a:t>
-            </a:r>
-            <a:endParaRPr lang="en-US" altLang="zh-TW" sz="5400" b="1" dirty="0">
-              <a:latin typeface="Microsoft JhengHei" panose="020B0604030504040204" pitchFamily="34" charset="-120"/>
-              <a:ea typeface="Microsoft JhengHei" panose="020B0604030504040204" pitchFamily="34" charset="-120"/>
-            </a:endParaRPr>
-          </a:p>
-          <a:p>
-            <a:pPr marL="0" indent="0" algn="ctr">
-              <a:buNone/>
-            </a:pPr>
-            <a:r>
-              <a:rPr lang="zh-TW" altLang="en-US" sz="5400" b="1" dirty="0" smtClean="0">
-                <a:latin typeface="Microsoft JhengHei" panose="020B0604030504040204" pitchFamily="34" charset="-120"/>
-                <a:ea typeface="Microsoft JhengHei" panose="020B0604030504040204" pitchFamily="34" charset="-120"/>
-              </a:rPr>
-              <a:t>使</a:t>
-            </a:r>
-            <a:r>
-              <a:rPr lang="zh-TW" altLang="en-US" sz="5400" b="1" dirty="0">
-                <a:latin typeface="Microsoft JhengHei" panose="020B0604030504040204" pitchFamily="34" charset="-120"/>
-                <a:ea typeface="Microsoft JhengHei" panose="020B0604030504040204" pitchFamily="34" charset="-120"/>
-              </a:rPr>
-              <a:t>傷心流淚轉為笑</a:t>
-            </a:r>
-            <a:r>
-              <a:rPr lang="zh-TW" altLang="en-US" sz="5400" b="1" dirty="0" smtClean="0">
-                <a:latin typeface="Microsoft JhengHei" panose="020B0604030504040204" pitchFamily="34" charset="-120"/>
-                <a:ea typeface="Microsoft JhengHei" panose="020B0604030504040204" pitchFamily="34" charset="-120"/>
-              </a:rPr>
-              <a:t>顏</a:t>
-            </a:r>
-            <a:endParaRPr lang="en-US" altLang="zh-TW" sz="5400" b="1" dirty="0">
-              <a:latin typeface="Microsoft JhengHei" panose="020B0604030504040204" pitchFamily="34" charset="-120"/>
-              <a:ea typeface="Microsoft JhengHei" panose="020B0604030504040204" pitchFamily="34" charset="-120"/>
-            </a:endParaRPr>
-          </a:p>
-          <a:p>
-            <a:pPr marL="0" indent="0" algn="ctr">
-              <a:buNone/>
-            </a:pPr>
-            <a:r>
-              <a:rPr lang="zh-TW" altLang="en-US" sz="5400" b="1" dirty="0" smtClean="0">
-                <a:latin typeface="Microsoft JhengHei" panose="020B0604030504040204" pitchFamily="34" charset="-120"/>
-                <a:ea typeface="Microsoft JhengHei" panose="020B0604030504040204" pitchFamily="34" charset="-120"/>
-              </a:rPr>
-              <a:t>患</a:t>
-            </a:r>
-            <a:r>
-              <a:rPr lang="zh-TW" altLang="en-US" sz="5400" b="1" dirty="0">
-                <a:latin typeface="Microsoft JhengHei" panose="020B0604030504040204" pitchFamily="34" charset="-120"/>
-                <a:ea typeface="Microsoft JhengHei" panose="020B0604030504040204" pitchFamily="34" charset="-120"/>
-              </a:rPr>
-              <a:t>難生忍</a:t>
-            </a:r>
-            <a:r>
-              <a:rPr lang="zh-TW" altLang="en-US" sz="5400" b="1" dirty="0" smtClean="0">
-                <a:latin typeface="Microsoft JhengHei" panose="020B0604030504040204" pitchFamily="34" charset="-120"/>
-                <a:ea typeface="Microsoft JhengHei" panose="020B0604030504040204" pitchFamily="34" charset="-120"/>
-              </a:rPr>
-              <a:t>耐  忍</a:t>
-            </a:r>
-            <a:r>
-              <a:rPr lang="zh-TW" altLang="en-US" sz="5400" b="1" dirty="0">
-                <a:latin typeface="Microsoft JhengHei" panose="020B0604030504040204" pitchFamily="34" charset="-120"/>
-                <a:ea typeface="Microsoft JhengHei" panose="020B0604030504040204" pitchFamily="34" charset="-120"/>
-              </a:rPr>
-              <a:t>耐生老</a:t>
-            </a:r>
-            <a:r>
-              <a:rPr lang="zh-TW" altLang="en-US" sz="5400" b="1" dirty="0" smtClean="0">
-                <a:latin typeface="Microsoft JhengHei" panose="020B0604030504040204" pitchFamily="34" charset="-120"/>
-                <a:ea typeface="Microsoft JhengHei" panose="020B0604030504040204" pitchFamily="34" charset="-120"/>
-              </a:rPr>
-              <a:t>練</a:t>
-            </a:r>
-            <a:endParaRPr lang="en-US" altLang="zh-TW" sz="5400" b="1" dirty="0">
-              <a:latin typeface="Microsoft JhengHei" panose="020B0604030504040204" pitchFamily="34" charset="-120"/>
-              <a:ea typeface="Microsoft JhengHei" panose="020B0604030504040204" pitchFamily="34" charset="-120"/>
-            </a:endParaRPr>
-          </a:p>
-          <a:p>
-            <a:pPr marL="0" indent="0" algn="ctr">
-              <a:buNone/>
-            </a:pPr>
-            <a:r>
-              <a:rPr lang="zh-TW" altLang="en-US" sz="5400" b="1" dirty="0" smtClean="0">
-                <a:latin typeface="Microsoft JhengHei" panose="020B0604030504040204" pitchFamily="34" charset="-120"/>
-                <a:ea typeface="Microsoft JhengHei" panose="020B0604030504040204" pitchFamily="34" charset="-120"/>
-              </a:rPr>
-              <a:t>老</a:t>
-            </a:r>
-            <a:r>
-              <a:rPr lang="zh-TW" altLang="en-US" sz="5400" b="1" dirty="0">
-                <a:latin typeface="Microsoft JhengHei" panose="020B0604030504040204" pitchFamily="34" charset="-120"/>
-                <a:ea typeface="Microsoft JhengHei" panose="020B0604030504040204" pitchFamily="34" charset="-120"/>
-              </a:rPr>
-              <a:t>練生盼</a:t>
-            </a:r>
-            <a:r>
-              <a:rPr lang="zh-TW" altLang="en-US" sz="5400" b="1" dirty="0" smtClean="0">
-                <a:latin typeface="Microsoft JhengHei" panose="020B0604030504040204" pitchFamily="34" charset="-120"/>
-                <a:ea typeface="Microsoft JhengHei" panose="020B0604030504040204" pitchFamily="34" charset="-120"/>
-              </a:rPr>
-              <a:t>望  盼</a:t>
-            </a:r>
-            <a:r>
-              <a:rPr lang="zh-TW" altLang="en-US" sz="5400" b="1" dirty="0">
-                <a:latin typeface="Microsoft JhengHei" panose="020B0604030504040204" pitchFamily="34" charset="-120"/>
-                <a:ea typeface="Microsoft JhengHei" panose="020B0604030504040204" pitchFamily="34" charset="-120"/>
-              </a:rPr>
-              <a:t>望不至羞</a:t>
-            </a:r>
-            <a:r>
-              <a:rPr lang="zh-TW" altLang="en-US" sz="5400" b="1" dirty="0" smtClean="0">
-                <a:latin typeface="Microsoft JhengHei" panose="020B0604030504040204" pitchFamily="34" charset="-120"/>
-                <a:ea typeface="Microsoft JhengHei" panose="020B0604030504040204" pitchFamily="34" charset="-120"/>
-              </a:rPr>
-              <a:t>愧</a:t>
-            </a:r>
-            <a:endParaRPr lang="en-US" altLang="zh-TW" sz="5400" b="1" dirty="0">
-              <a:latin typeface="Microsoft JhengHei" panose="020B0604030504040204" pitchFamily="34" charset="-120"/>
-              <a:ea typeface="Microsoft JhengHei" panose="020B0604030504040204" pitchFamily="34" charset="-120"/>
-            </a:endParaRPr>
-          </a:p>
-          <a:p>
-            <a:pPr marL="0" indent="0" algn="ctr">
-              <a:buNone/>
-            </a:pPr>
-            <a:r>
-              <a:rPr lang="zh-TW" altLang="en-US" sz="5400" b="1" dirty="0" smtClean="0">
-                <a:latin typeface="Microsoft JhengHei" panose="020B0604030504040204" pitchFamily="34" charset="-120"/>
-                <a:ea typeface="Microsoft JhengHei" panose="020B0604030504040204" pitchFamily="34" charset="-120"/>
-              </a:rPr>
-              <a:t>就</a:t>
-            </a:r>
-            <a:r>
-              <a:rPr lang="zh-TW" altLang="en-US" sz="5400" b="1" dirty="0">
-                <a:latin typeface="Microsoft JhengHei" panose="020B0604030504040204" pitchFamily="34" charset="-120"/>
-                <a:ea typeface="Microsoft JhengHei" panose="020B0604030504040204" pitchFamily="34" charset="-120"/>
-              </a:rPr>
-              <a:t>沒有失望</a:t>
-            </a:r>
-            <a:endParaRPr lang="vi-VN" sz="5400" b="1" dirty="0">
-              <a:ea typeface="Microsoft JhengHei" panose="020B0604030504040204" pitchFamily="34" charset="-120"/>
-            </a:endParaRPr>
+            <a:r>
+              <a:rPr lang="zh-TW" altLang="en-US" sz="7200" b="1" i="1" dirty="0" smtClean="0">
+                <a:solidFill>
+                  <a:srgbClr val="660033"/>
+                </a:solidFill>
+                <a:effectLst>
+                  <a:outerShdw blurRad="38100" dist="38100" dir="2700000" algn="tl">
+                    <a:srgbClr val="000000">
+                      <a:alpha val="43137"/>
+                    </a:srgbClr>
+                  </a:outerShdw>
+                </a:effectLst>
+                <a:latin typeface="微軟正黑體" pitchFamily="34" charset="-120"/>
+                <a:ea typeface="微軟正黑體" pitchFamily="34" charset="-120"/>
+              </a:rPr>
+              <a:t>信</a:t>
+            </a:r>
+            <a:r>
+              <a:rPr lang="zh-TW" altLang="en-US" sz="7200" b="1" i="1" dirty="0">
+                <a:solidFill>
+                  <a:srgbClr val="660033"/>
+                </a:solidFill>
+                <a:effectLst>
+                  <a:outerShdw blurRad="38100" dist="38100" dir="2700000" algn="tl">
+                    <a:srgbClr val="000000">
+                      <a:alpha val="43137"/>
+                    </a:srgbClr>
+                  </a:outerShdw>
+                </a:effectLst>
+                <a:latin typeface="微軟正黑體" pitchFamily="34" charset="-120"/>
+                <a:ea typeface="微軟正黑體" pitchFamily="34" charset="-120"/>
+              </a:rPr>
+              <a:t>靠每一句應許</a:t>
+            </a:r>
           </a:p>
         </p:txBody>
       </p:sp>
     </p:spTree>
     <p:extLst>
       <p:ext uri="{BB962C8B-B14F-4D97-AF65-F5344CB8AC3E}">
-        <p14:creationId xmlns:p14="http://schemas.microsoft.com/office/powerpoint/2010/main" val="1369787300"/>
+        <p14:creationId xmlns:p14="http://schemas.microsoft.com/office/powerpoint/2010/main" val="2223284887"/>
       </p:ext>
     </p:extLst>
   </p:cSld>
@@ -3374,228 +3200,178 @@
       </p:grpSpPr>
       <p:sp>
         <p:nvSpPr>
-          <p:cNvPr id="2" name="Title 1"/>
-          <p:cNvSpPr>
-            <a:spLocks noGrp="1"/>
-          </p:cNvSpPr>
-          <p:nvPr>
-            <p:ph type="title"/>
-          </p:nvPr>
-        </p:nvSpPr>
-        <p:spPr/>
-        <p:txBody>
-          <a:bodyPr>
+          <p:cNvPr id="5" name="內容版面配置區 4"/>
+          <p:cNvSpPr>
+            <a:spLocks noGrp="1"/>
+          </p:cNvSpPr>
+          <p:nvPr>
+            <p:ph idx="1"/>
+          </p:nvPr>
+        </p:nvSpPr>
+        <p:spPr>
+          <a:xfrm>
+            <a:off x="0" y="2084851"/>
+            <a:ext cx="12192000" cy="2404863"/>
+          </a:xfrm>
+        </p:spPr>
+        <p:txBody>
+          <a:bodyPr anchor="ctr">
             <a:normAutofit/>
           </a:bodyPr>
           <a:lstStyle/>
           <a:p>
-            <a:r>
-              <a:rPr lang="zh-TW" altLang="en-US" sz="4800" b="1" dirty="0">
+            <a:pPr algn="ctr">
+              <a:buNone/>
+            </a:pPr>
+            <a:r>
+              <a:rPr lang="zh-TW" altLang="en-US" sz="6400" b="1" dirty="0" smtClean="0">
+                <a:solidFill>
+                  <a:srgbClr val="660033"/>
+                </a:solidFill>
+                <a:latin typeface="微軟正黑體" pitchFamily="34" charset="-120"/>
+                <a:ea typeface="微軟正黑體" pitchFamily="34" charset="-120"/>
+              </a:rPr>
+              <a:t>主</a:t>
+            </a:r>
+            <a:r>
+              <a:rPr lang="zh-CN" altLang="en-US" sz="6400" b="1" dirty="0" smtClean="0">
+                <a:solidFill>
+                  <a:srgbClr val="660033"/>
+                </a:solidFill>
+                <a:latin typeface="微軟正黑體" pitchFamily="34" charset="-120"/>
+                <a:ea typeface="微軟正黑體" pitchFamily="34" charset="-120"/>
+              </a:rPr>
+              <a:t>袮</a:t>
+            </a:r>
+            <a:r>
+              <a:rPr lang="zh-TW" altLang="en-US" sz="6400" b="1" dirty="0" smtClean="0">
+                <a:solidFill>
+                  <a:srgbClr val="660033"/>
+                </a:solidFill>
+                <a:latin typeface="微軟正黑體" pitchFamily="34" charset="-120"/>
+                <a:ea typeface="微軟正黑體" pitchFamily="34" charset="-120"/>
+              </a:rPr>
+              <a:t>使</a:t>
+            </a:r>
+            <a:r>
+              <a:rPr lang="zh-TW" altLang="en-US" sz="6400" b="1" dirty="0">
+                <a:solidFill>
+                  <a:srgbClr val="660033"/>
+                </a:solidFill>
+                <a:latin typeface="微軟正黑體" pitchFamily="34" charset="-120"/>
+                <a:ea typeface="微軟正黑體" pitchFamily="34" charset="-120"/>
+              </a:rPr>
+              <a:t>卑微轉為尊</a:t>
+            </a:r>
+            <a:r>
+              <a:rPr lang="zh-TW" altLang="en-US" sz="6400" b="1" dirty="0">
+                <a:solidFill>
+                  <a:srgbClr val="660033"/>
+                </a:solidFill>
+                <a:latin typeface="微軟正黑體" pitchFamily="34" charset="-120"/>
+                <a:ea typeface="微軟正黑體" pitchFamily="34" charset="-120"/>
+              </a:rPr>
+              <a:t>貴</a:t>
+            </a:r>
+            <a:endParaRPr lang="en-US" altLang="zh-TW" sz="6400" b="1" dirty="0">
+              <a:solidFill>
+                <a:srgbClr val="660033"/>
+              </a:solidFill>
+              <a:latin typeface="微軟正黑體" pitchFamily="34" charset="-120"/>
+              <a:ea typeface="微軟正黑體" pitchFamily="34" charset="-120"/>
+            </a:endParaRPr>
+          </a:p>
+          <a:p>
+            <a:pPr algn="ctr">
+              <a:buNone/>
+            </a:pPr>
+            <a:r>
+              <a:rPr lang="zh-TW" altLang="en-US" sz="6400" b="1" dirty="0">
+                <a:solidFill>
+                  <a:srgbClr val="660033"/>
+                </a:solidFill>
+                <a:latin typeface="微軟正黑體" pitchFamily="34" charset="-120"/>
+                <a:ea typeface="微軟正黑體" pitchFamily="34" charset="-120"/>
+              </a:rPr>
+              <a:t>使</a:t>
+            </a:r>
+            <a:r>
+              <a:rPr lang="zh-TW" altLang="en-US" sz="6400" b="1" dirty="0">
+                <a:solidFill>
+                  <a:srgbClr val="660033"/>
+                </a:solidFill>
+                <a:latin typeface="微軟正黑體" pitchFamily="34" charset="-120"/>
+                <a:ea typeface="微軟正黑體" pitchFamily="34" charset="-120"/>
+              </a:rPr>
+              <a:t>傷心流淚轉為笑顏</a:t>
+            </a:r>
+            <a:endParaRPr lang="en-US" altLang="zh-TW" sz="6400" b="1" dirty="0">
+              <a:solidFill>
+                <a:srgbClr val="660033"/>
+              </a:solidFill>
+              <a:latin typeface="微軟正黑體" pitchFamily="34" charset="-120"/>
+              <a:ea typeface="微軟正黑體" pitchFamily="34" charset="-120"/>
+            </a:endParaRPr>
+          </a:p>
+        </p:txBody>
+      </p:sp>
+      <p:sp>
+        <p:nvSpPr>
+          <p:cNvPr id="3" name="TextBox 2"/>
+          <p:cNvSpPr txBox="1"/>
+          <p:nvPr/>
+        </p:nvSpPr>
+        <p:spPr>
+          <a:xfrm>
+            <a:off x="0" y="5157192"/>
+            <a:ext cx="12192000" cy="748988"/>
+          </a:xfrm>
+          <a:prstGeom prst="rect">
+            <a:avLst/>
+          </a:prstGeom>
+          <a:noFill/>
+        </p:spPr>
+        <p:txBody>
+          <a:bodyPr wrap="square" rtlCol="0">
+            <a:spAutoFit/>
+          </a:bodyPr>
+          <a:lstStyle/>
+          <a:p>
+            <a:pPr algn="ctr"/>
+            <a:r>
+              <a:rPr lang="en-US" sz="4267" b="1" dirty="0">
+                <a:solidFill>
+                  <a:srgbClr val="660033"/>
+                </a:solidFill>
                 <a:latin typeface="Microsoft JhengHei" panose="020B0604030504040204" pitchFamily="34" charset="-120"/>
                 <a:ea typeface="Microsoft JhengHei" panose="020B0604030504040204" pitchFamily="34" charset="-120"/>
               </a:rPr>
-              <a:t>信靠每一句應許</a:t>
-            </a:r>
-            <a:endParaRPr lang="vi-VN" sz="4800" b="1" dirty="0">
-              <a:ea typeface="Microsoft JhengHei" panose="020B0604030504040204" pitchFamily="34" charset="-120"/>
-            </a:endParaRPr>
-          </a:p>
-        </p:txBody>
-      </p:sp>
-      <p:sp>
-        <p:nvSpPr>
-          <p:cNvPr id="3" name="Content Placeholder 2"/>
-          <p:cNvSpPr>
-            <a:spLocks noGrp="1"/>
-          </p:cNvSpPr>
-          <p:nvPr>
-            <p:ph idx="1"/>
-          </p:nvPr>
-        </p:nvSpPr>
-        <p:spPr>
-          <a:xfrm>
-            <a:off x="609600" y="1600201"/>
-            <a:ext cx="10972800" cy="5257799"/>
-          </a:xfrm>
-        </p:spPr>
-        <p:txBody>
-          <a:bodyPr>
-            <a:normAutofit/>
-          </a:bodyPr>
-          <a:lstStyle/>
-          <a:p>
-            <a:pPr marL="0" indent="0" algn="ctr">
-              <a:buNone/>
-            </a:pPr>
-            <a:r>
-              <a:rPr lang="zh-TW" altLang="en-US" sz="5400" b="1" dirty="0">
+              <a:t>( </a:t>
+            </a:r>
+            <a:r>
+              <a:rPr lang="zh-CN" altLang="en-US" sz="4267" b="1" dirty="0">
+                <a:solidFill>
+                  <a:srgbClr val="660033"/>
+                </a:solidFill>
                 <a:latin typeface="Microsoft JhengHei" panose="020B0604030504040204" pitchFamily="34" charset="-120"/>
                 <a:ea typeface="Microsoft JhengHei" panose="020B0604030504040204" pitchFamily="34" charset="-120"/>
               </a:rPr>
-              <a:t>心中充滿盼</a:t>
-            </a:r>
-            <a:r>
-              <a:rPr lang="zh-TW" altLang="en-US" sz="5400" b="1" dirty="0">
+              <a:t>正</a:t>
+            </a:r>
+            <a:r>
+              <a:rPr lang="en-US" sz="4267" b="1" dirty="0">
+                <a:solidFill>
+                  <a:srgbClr val="660033"/>
+                </a:solidFill>
                 <a:latin typeface="Microsoft JhengHei" panose="020B0604030504040204" pitchFamily="34" charset="-120"/>
                 <a:ea typeface="Microsoft JhengHei" panose="020B0604030504040204" pitchFamily="34" charset="-120"/>
               </a:rPr>
-              <a:t>望  盼</a:t>
-            </a:r>
-            <a:r>
-              <a:rPr lang="zh-TW" altLang="en-US" sz="5400" b="1" dirty="0">
-                <a:latin typeface="Microsoft JhengHei" panose="020B0604030504040204" pitchFamily="34" charset="-120"/>
-                <a:ea typeface="Microsoft JhengHei" panose="020B0604030504040204" pitchFamily="34" charset="-120"/>
-              </a:rPr>
-              <a:t>望使眼睛明</a:t>
-            </a:r>
-            <a:r>
-              <a:rPr lang="zh-TW" altLang="en-US" sz="5400" b="1" dirty="0">
-                <a:latin typeface="Microsoft JhengHei" panose="020B0604030504040204" pitchFamily="34" charset="-120"/>
-                <a:ea typeface="Microsoft JhengHei" panose="020B0604030504040204" pitchFamily="34" charset="-120"/>
-              </a:rPr>
-              <a:t>亮</a:t>
-            </a:r>
-            <a:endParaRPr lang="en-US" altLang="zh-TW" sz="5400" b="1" dirty="0">
-              <a:latin typeface="Microsoft JhengHei" panose="020B0604030504040204" pitchFamily="34" charset="-120"/>
-              <a:ea typeface="Microsoft JhengHei" panose="020B0604030504040204" pitchFamily="34" charset="-120"/>
-            </a:endParaRPr>
-          </a:p>
-          <a:p>
-            <a:pPr marL="0" indent="0" algn="ctr">
-              <a:buNone/>
-            </a:pPr>
-            <a:r>
-              <a:rPr lang="zh-TW" altLang="en-US" sz="5400" b="1" dirty="0">
-                <a:latin typeface="Microsoft JhengHei" panose="020B0604030504040204" pitchFamily="34" charset="-120"/>
-                <a:ea typeface="Microsoft JhengHei" panose="020B0604030504040204" pitchFamily="34" charset="-120"/>
-              </a:rPr>
-              <a:t>道</a:t>
-            </a:r>
-            <a:r>
-              <a:rPr lang="zh-TW" altLang="en-US" sz="5400" b="1" dirty="0">
-                <a:latin typeface="Microsoft JhengHei" panose="020B0604030504040204" pitchFamily="34" charset="-120"/>
-                <a:ea typeface="Microsoft JhengHei" panose="020B0604030504040204" pitchFamily="34" charset="-120"/>
-              </a:rPr>
-              <a:t>路雖崎</a:t>
-            </a:r>
-            <a:r>
-              <a:rPr lang="zh-TW" altLang="en-US" sz="5400" b="1" dirty="0" smtClean="0">
-                <a:latin typeface="Microsoft JhengHei" panose="020B0604030504040204" pitchFamily="34" charset="-120"/>
-                <a:ea typeface="Microsoft JhengHei" panose="020B0604030504040204" pitchFamily="34" charset="-120"/>
-              </a:rPr>
-              <a:t>嶇  </a:t>
-            </a:r>
-            <a:r>
-              <a:rPr lang="zh-CN" altLang="en-US" sz="5400" b="1" dirty="0" smtClean="0">
-                <a:latin typeface="Microsoft JhengHei" panose="020B0604030504040204" pitchFamily="34" charset="-120"/>
-                <a:ea typeface="Microsoft JhengHei" panose="020B0604030504040204" pitchFamily="34" charset="-120"/>
-              </a:rPr>
-              <a:t>袮</a:t>
-            </a:r>
-            <a:r>
-              <a:rPr lang="zh-TW" altLang="en-US" sz="5400" b="1" dirty="0" smtClean="0">
-                <a:latin typeface="Microsoft JhengHei" panose="020B0604030504040204" pitchFamily="34" charset="-120"/>
-                <a:ea typeface="Microsoft JhengHei" panose="020B0604030504040204" pitchFamily="34" charset="-120"/>
-              </a:rPr>
-              <a:t>與</a:t>
-            </a:r>
-            <a:r>
-              <a:rPr lang="zh-TW" altLang="en-US" sz="5400" b="1" dirty="0">
-                <a:latin typeface="Microsoft JhengHei" panose="020B0604030504040204" pitchFamily="34" charset="-120"/>
-                <a:ea typeface="Microsoft JhengHei" panose="020B0604030504040204" pitchFamily="34" charset="-120"/>
-              </a:rPr>
-              <a:t>我同</a:t>
-            </a:r>
-            <a:r>
-              <a:rPr lang="zh-TW" altLang="en-US" sz="5400" b="1" dirty="0">
-                <a:latin typeface="Microsoft JhengHei" panose="020B0604030504040204" pitchFamily="34" charset="-120"/>
-                <a:ea typeface="Microsoft JhengHei" panose="020B0604030504040204" pitchFamily="34" charset="-120"/>
-              </a:rPr>
-              <a:t>行</a:t>
-            </a:r>
-            <a:endParaRPr lang="en-US" altLang="zh-TW" sz="5400" b="1" dirty="0">
-              <a:latin typeface="Microsoft JhengHei" panose="020B0604030504040204" pitchFamily="34" charset="-120"/>
-              <a:ea typeface="Microsoft JhengHei" panose="020B0604030504040204" pitchFamily="34" charset="-120"/>
-            </a:endParaRPr>
-          </a:p>
-          <a:p>
-            <a:pPr marL="0" indent="0" algn="ctr">
-              <a:buNone/>
-            </a:pPr>
-            <a:r>
-              <a:rPr lang="zh-TW" altLang="en-US" sz="5400" b="1" dirty="0">
-                <a:latin typeface="Microsoft JhengHei" panose="020B0604030504040204" pitchFamily="34" charset="-120"/>
-                <a:ea typeface="Microsoft JhengHei" panose="020B0604030504040204" pitchFamily="34" charset="-120"/>
-              </a:rPr>
-              <a:t>心</a:t>
-            </a:r>
-            <a:r>
-              <a:rPr lang="zh-TW" altLang="en-US" sz="5400" b="1" dirty="0">
-                <a:latin typeface="Microsoft JhengHei" panose="020B0604030504040204" pitchFamily="34" charset="-120"/>
-                <a:ea typeface="Microsoft JhengHei" panose="020B0604030504040204" pitchFamily="34" charset="-120"/>
-              </a:rPr>
-              <a:t>中充滿盼</a:t>
-            </a:r>
-            <a:r>
-              <a:rPr lang="zh-TW" altLang="en-US" sz="5400" b="1" dirty="0">
-                <a:latin typeface="Microsoft JhengHei" panose="020B0604030504040204" pitchFamily="34" charset="-120"/>
-                <a:ea typeface="Microsoft JhengHei" panose="020B0604030504040204" pitchFamily="34" charset="-120"/>
-              </a:rPr>
-              <a:t>望  盼</a:t>
-            </a:r>
-            <a:r>
-              <a:rPr lang="zh-TW" altLang="en-US" sz="5400" b="1" dirty="0">
-                <a:latin typeface="Microsoft JhengHei" panose="020B0604030504040204" pitchFamily="34" charset="-120"/>
-                <a:ea typeface="Microsoft JhengHei" panose="020B0604030504040204" pitchFamily="34" charset="-120"/>
-              </a:rPr>
-              <a:t>望使信心剛</a:t>
-            </a:r>
-            <a:r>
-              <a:rPr lang="zh-TW" altLang="en-US" sz="5400" b="1" dirty="0">
-                <a:latin typeface="Microsoft JhengHei" panose="020B0604030504040204" pitchFamily="34" charset="-120"/>
-                <a:ea typeface="Microsoft JhengHei" panose="020B0604030504040204" pitchFamily="34" charset="-120"/>
-              </a:rPr>
-              <a:t>強</a:t>
-            </a:r>
-            <a:endParaRPr lang="en-US" altLang="zh-TW" sz="5400" b="1" dirty="0">
-              <a:latin typeface="Microsoft JhengHei" panose="020B0604030504040204" pitchFamily="34" charset="-120"/>
-              <a:ea typeface="Microsoft JhengHei" panose="020B0604030504040204" pitchFamily="34" charset="-120"/>
-            </a:endParaRPr>
-          </a:p>
-          <a:p>
-            <a:pPr marL="0" indent="0" algn="ctr">
-              <a:buNone/>
-            </a:pPr>
-            <a:r>
-              <a:rPr lang="zh-TW" altLang="en-US" sz="5400" b="1" dirty="0">
-                <a:latin typeface="Microsoft JhengHei" panose="020B0604030504040204" pitchFamily="34" charset="-120"/>
-                <a:ea typeface="Microsoft JhengHei" panose="020B0604030504040204" pitchFamily="34" charset="-120"/>
-              </a:rPr>
-              <a:t>信</a:t>
-            </a:r>
-            <a:r>
-              <a:rPr lang="zh-TW" altLang="en-US" sz="5400" b="1" dirty="0">
-                <a:latin typeface="Microsoft JhengHei" panose="020B0604030504040204" pitchFamily="34" charset="-120"/>
-                <a:ea typeface="Microsoft JhengHei" panose="020B0604030504040204" pitchFamily="34" charset="-120"/>
-              </a:rPr>
-              <a:t>靠每一句應</a:t>
-            </a:r>
-            <a:r>
-              <a:rPr lang="zh-TW" altLang="en-US" sz="5400" b="1" dirty="0">
-                <a:latin typeface="Microsoft JhengHei" panose="020B0604030504040204" pitchFamily="34" charset="-120"/>
-                <a:ea typeface="Microsoft JhengHei" panose="020B0604030504040204" pitchFamily="34" charset="-120"/>
-              </a:rPr>
-              <a:t>許  生</a:t>
-            </a:r>
-            <a:r>
-              <a:rPr lang="zh-TW" altLang="en-US" sz="5400" b="1" dirty="0">
-                <a:latin typeface="Microsoft JhengHei" panose="020B0604030504040204" pitchFamily="34" charset="-120"/>
-                <a:ea typeface="Microsoft JhengHei" panose="020B0604030504040204" pitchFamily="34" charset="-120"/>
-              </a:rPr>
-              <a:t>命充滿亮光</a:t>
-            </a:r>
-            <a:endParaRPr lang="vi-VN" sz="5400" b="1" dirty="0">
-              <a:latin typeface="Microsoft JhengHei" panose="020B0604030504040204" pitchFamily="34" charset="-120"/>
+              <a:t> )</a:t>
+            </a:r>
+            <a:endParaRPr lang="vi-VN" sz="4267" b="1" dirty="0">
+              <a:solidFill>
+                <a:srgbClr val="660033"/>
+              </a:solidFill>
               <a:ea typeface="Microsoft JhengHei" panose="020B0604030504040204" pitchFamily="34" charset="-120"/>
             </a:endParaRPr>
           </a:p>
@@ -3604,7 +3380,843 @@
     </p:spTree>
     <p:extLst>
       <p:ext uri="{BB962C8B-B14F-4D97-AF65-F5344CB8AC3E}">
-        <p14:creationId xmlns:p14="http://schemas.microsoft.com/office/powerpoint/2010/main" val="2846105479"/>
+        <p14:creationId xmlns:p14="http://schemas.microsoft.com/office/powerpoint/2010/main" val="13028531"/>
+      </p:ext>
+    </p:extLst>
+  </p:cSld>
+  <p:clrMapOvr>
+    <a:masterClrMapping/>
+  </p:clrMapOvr>
+</p:sld>
+</file>
+
+<file path=ppt/slides/slide3.xml><?xml version="1.0" encoding="utf-8"?>
+<p:sld xmlns:a="http://schemas.openxmlformats.org/drawingml/2006/main" xmlns:r="http://schemas.openxmlformats.org/officeDocument/2006/relationships" xmlns:p="http://schemas.openxmlformats.org/presentationml/2006/main">
+  <p:cSld>
+    <p:spTree>
+      <p:nvGrpSpPr>
+        <p:cNvPr id="1" name=""/>
+        <p:cNvGrpSpPr/>
+        <p:nvPr/>
+      </p:nvGrpSpPr>
+      <p:grpSpPr>
+        <a:xfrm>
+          <a:off x="0" y="0"/>
+          <a:ext cx="0" cy="0"/>
+          <a:chOff x="0" y="0"/>
+          <a:chExt cx="0" cy="0"/>
+        </a:xfrm>
+      </p:grpSpPr>
+      <p:sp>
+        <p:nvSpPr>
+          <p:cNvPr id="5" name="內容版面配置區 4"/>
+          <p:cNvSpPr>
+            <a:spLocks noGrp="1"/>
+          </p:cNvSpPr>
+          <p:nvPr>
+            <p:ph idx="1"/>
+          </p:nvPr>
+        </p:nvSpPr>
+        <p:spPr>
+          <a:xfrm>
+            <a:off x="0" y="2084851"/>
+            <a:ext cx="12192000" cy="2404863"/>
+          </a:xfrm>
+        </p:spPr>
+        <p:txBody>
+          <a:bodyPr anchor="ctr">
+            <a:normAutofit/>
+          </a:bodyPr>
+          <a:lstStyle/>
+          <a:p>
+            <a:pPr algn="ctr">
+              <a:buNone/>
+            </a:pPr>
+            <a:r>
+              <a:rPr lang="zh-TW" altLang="en-US" sz="6400" b="1" dirty="0">
+                <a:solidFill>
+                  <a:srgbClr val="660033"/>
+                </a:solidFill>
+                <a:latin typeface="微軟正黑體" pitchFamily="34" charset="-120"/>
+                <a:ea typeface="微軟正黑體" pitchFamily="34" charset="-120"/>
+              </a:rPr>
+              <a:t>患難生忍</a:t>
+            </a:r>
+            <a:r>
+              <a:rPr lang="zh-TW" altLang="en-US" sz="6400" b="1" dirty="0">
+                <a:solidFill>
+                  <a:srgbClr val="660033"/>
+                </a:solidFill>
+                <a:latin typeface="微軟正黑體" pitchFamily="34" charset="-120"/>
+                <a:ea typeface="微軟正黑體" pitchFamily="34" charset="-120"/>
+              </a:rPr>
+              <a:t>耐</a:t>
+            </a:r>
+            <a:endParaRPr lang="en-US" altLang="zh-TW" sz="6400" b="1" dirty="0">
+              <a:solidFill>
+                <a:srgbClr val="660033"/>
+              </a:solidFill>
+              <a:latin typeface="微軟正黑體" pitchFamily="34" charset="-120"/>
+              <a:ea typeface="微軟正黑體" pitchFamily="34" charset="-120"/>
+            </a:endParaRPr>
+          </a:p>
+          <a:p>
+            <a:pPr algn="ctr">
+              <a:buNone/>
+            </a:pPr>
+            <a:r>
+              <a:rPr lang="zh-TW" altLang="en-US" sz="6400" b="1" dirty="0">
+                <a:solidFill>
+                  <a:srgbClr val="660033"/>
+                </a:solidFill>
+                <a:latin typeface="微軟正黑體" pitchFamily="34" charset="-120"/>
+                <a:ea typeface="微軟正黑體" pitchFamily="34" charset="-120"/>
+              </a:rPr>
+              <a:t>忍</a:t>
+            </a:r>
+            <a:r>
+              <a:rPr lang="zh-TW" altLang="en-US" sz="6400" b="1" dirty="0">
+                <a:solidFill>
+                  <a:srgbClr val="660033"/>
+                </a:solidFill>
+                <a:latin typeface="微軟正黑體" pitchFamily="34" charset="-120"/>
+                <a:ea typeface="微軟正黑體" pitchFamily="34" charset="-120"/>
+              </a:rPr>
+              <a:t>耐生老練</a:t>
+            </a:r>
+            <a:endParaRPr lang="en-US" altLang="zh-TW" sz="6400" b="1" dirty="0">
+              <a:solidFill>
+                <a:srgbClr val="660033"/>
+              </a:solidFill>
+              <a:latin typeface="微軟正黑體" pitchFamily="34" charset="-120"/>
+              <a:ea typeface="微軟正黑體" pitchFamily="34" charset="-120"/>
+            </a:endParaRPr>
+          </a:p>
+        </p:txBody>
+      </p:sp>
+      <p:sp>
+        <p:nvSpPr>
+          <p:cNvPr id="3" name="TextBox 2"/>
+          <p:cNvSpPr txBox="1"/>
+          <p:nvPr/>
+        </p:nvSpPr>
+        <p:spPr>
+          <a:xfrm>
+            <a:off x="0" y="5157192"/>
+            <a:ext cx="12192000" cy="748988"/>
+          </a:xfrm>
+          <a:prstGeom prst="rect">
+            <a:avLst/>
+          </a:prstGeom>
+          <a:noFill/>
+        </p:spPr>
+        <p:txBody>
+          <a:bodyPr wrap="square" rtlCol="0">
+            <a:spAutoFit/>
+          </a:bodyPr>
+          <a:lstStyle/>
+          <a:p>
+            <a:pPr algn="ctr"/>
+            <a:r>
+              <a:rPr lang="en-US" sz="4267" b="1" dirty="0">
+                <a:solidFill>
+                  <a:srgbClr val="660033"/>
+                </a:solidFill>
+                <a:latin typeface="Microsoft JhengHei" panose="020B0604030504040204" pitchFamily="34" charset="-120"/>
+                <a:ea typeface="Microsoft JhengHei" panose="020B0604030504040204" pitchFamily="34" charset="-120"/>
+              </a:rPr>
+              <a:t>( </a:t>
+            </a:r>
+            <a:r>
+              <a:rPr lang="zh-CN" altLang="en-US" sz="4267" b="1" dirty="0">
+                <a:solidFill>
+                  <a:srgbClr val="660033"/>
+                </a:solidFill>
+                <a:latin typeface="Microsoft JhengHei" panose="020B0604030504040204" pitchFamily="34" charset="-120"/>
+                <a:ea typeface="Microsoft JhengHei" panose="020B0604030504040204" pitchFamily="34" charset="-120"/>
+              </a:rPr>
+              <a:t>正</a:t>
+            </a:r>
+            <a:r>
+              <a:rPr lang="en-US" sz="4267" b="1" dirty="0">
+                <a:solidFill>
+                  <a:srgbClr val="660033"/>
+                </a:solidFill>
+                <a:latin typeface="Microsoft JhengHei" panose="020B0604030504040204" pitchFamily="34" charset="-120"/>
+                <a:ea typeface="Microsoft JhengHei" panose="020B0604030504040204" pitchFamily="34" charset="-120"/>
+              </a:rPr>
+              <a:t> )</a:t>
+            </a:r>
+            <a:endParaRPr lang="vi-VN" sz="4267" b="1" dirty="0">
+              <a:solidFill>
+                <a:srgbClr val="660033"/>
+              </a:solidFill>
+              <a:ea typeface="Microsoft JhengHei" panose="020B0604030504040204" pitchFamily="34" charset="-120"/>
+            </a:endParaRPr>
+          </a:p>
+        </p:txBody>
+      </p:sp>
+    </p:spTree>
+    <p:extLst>
+      <p:ext uri="{BB962C8B-B14F-4D97-AF65-F5344CB8AC3E}">
+        <p14:creationId xmlns:p14="http://schemas.microsoft.com/office/powerpoint/2010/main" val="3933061807"/>
+      </p:ext>
+    </p:extLst>
+  </p:cSld>
+  <p:clrMapOvr>
+    <a:masterClrMapping/>
+  </p:clrMapOvr>
+</p:sld>
+</file>
+
+<file path=ppt/slides/slide4.xml><?xml version="1.0" encoding="utf-8"?>
+<p:sld xmlns:a="http://schemas.openxmlformats.org/drawingml/2006/main" xmlns:r="http://schemas.openxmlformats.org/officeDocument/2006/relationships" xmlns:p="http://schemas.openxmlformats.org/presentationml/2006/main">
+  <p:cSld>
+    <p:spTree>
+      <p:nvGrpSpPr>
+        <p:cNvPr id="1" name=""/>
+        <p:cNvGrpSpPr/>
+        <p:nvPr/>
+      </p:nvGrpSpPr>
+      <p:grpSpPr>
+        <a:xfrm>
+          <a:off x="0" y="0"/>
+          <a:ext cx="0" cy="0"/>
+          <a:chOff x="0" y="0"/>
+          <a:chExt cx="0" cy="0"/>
+        </a:xfrm>
+      </p:grpSpPr>
+      <p:sp>
+        <p:nvSpPr>
+          <p:cNvPr id="5" name="內容版面配置區 4"/>
+          <p:cNvSpPr>
+            <a:spLocks noGrp="1"/>
+          </p:cNvSpPr>
+          <p:nvPr>
+            <p:ph idx="1"/>
+          </p:nvPr>
+        </p:nvSpPr>
+        <p:spPr>
+          <a:xfrm>
+            <a:off x="0" y="2084851"/>
+            <a:ext cx="12192000" cy="2404863"/>
+          </a:xfrm>
+        </p:spPr>
+        <p:txBody>
+          <a:bodyPr anchor="ctr">
+            <a:normAutofit/>
+          </a:bodyPr>
+          <a:lstStyle/>
+          <a:p>
+            <a:pPr algn="ctr">
+              <a:buNone/>
+            </a:pPr>
+            <a:r>
+              <a:rPr lang="zh-TW" altLang="en-US" sz="6400" b="1" dirty="0">
+                <a:solidFill>
+                  <a:srgbClr val="660033"/>
+                </a:solidFill>
+                <a:latin typeface="微軟正黑體" pitchFamily="34" charset="-120"/>
+                <a:ea typeface="微軟正黑體" pitchFamily="34" charset="-120"/>
+              </a:rPr>
+              <a:t>老練生盼</a:t>
+            </a:r>
+            <a:r>
+              <a:rPr lang="zh-TW" altLang="en-US" sz="6400" b="1" dirty="0">
+                <a:solidFill>
+                  <a:srgbClr val="660033"/>
+                </a:solidFill>
+                <a:latin typeface="微軟正黑體" pitchFamily="34" charset="-120"/>
+                <a:ea typeface="微軟正黑體" pitchFamily="34" charset="-120"/>
+              </a:rPr>
+              <a:t>望</a:t>
+            </a:r>
+            <a:endParaRPr lang="en-US" altLang="zh-TW" sz="6400" b="1" dirty="0">
+              <a:solidFill>
+                <a:srgbClr val="660033"/>
+              </a:solidFill>
+              <a:latin typeface="微軟正黑體" pitchFamily="34" charset="-120"/>
+              <a:ea typeface="微軟正黑體" pitchFamily="34" charset="-120"/>
+            </a:endParaRPr>
+          </a:p>
+          <a:p>
+            <a:pPr algn="ctr">
+              <a:buNone/>
+            </a:pPr>
+            <a:r>
+              <a:rPr lang="zh-TW" altLang="en-US" sz="6400" b="1" dirty="0">
+                <a:solidFill>
+                  <a:srgbClr val="660033"/>
+                </a:solidFill>
+                <a:latin typeface="微軟正黑體" pitchFamily="34" charset="-120"/>
+                <a:ea typeface="微軟正黑體" pitchFamily="34" charset="-120"/>
+              </a:rPr>
+              <a:t>盼</a:t>
+            </a:r>
+            <a:r>
+              <a:rPr lang="zh-TW" altLang="en-US" sz="6400" b="1" dirty="0">
+                <a:solidFill>
+                  <a:srgbClr val="660033"/>
+                </a:solidFill>
+                <a:latin typeface="微軟正黑體" pitchFamily="34" charset="-120"/>
+                <a:ea typeface="微軟正黑體" pitchFamily="34" charset="-120"/>
+              </a:rPr>
+              <a:t>望不至羞</a:t>
+            </a:r>
+            <a:r>
+              <a:rPr lang="zh-TW" altLang="en-US" sz="6400" b="1" dirty="0">
+                <a:solidFill>
+                  <a:srgbClr val="660033"/>
+                </a:solidFill>
+                <a:latin typeface="微軟正黑體" pitchFamily="34" charset="-120"/>
+                <a:ea typeface="微軟正黑體" pitchFamily="34" charset="-120"/>
+              </a:rPr>
+              <a:t>愧  就</a:t>
+            </a:r>
+            <a:r>
+              <a:rPr lang="zh-TW" altLang="en-US" sz="6400" b="1" dirty="0">
+                <a:solidFill>
+                  <a:srgbClr val="660033"/>
+                </a:solidFill>
+                <a:latin typeface="微軟正黑體" pitchFamily="34" charset="-120"/>
+                <a:ea typeface="微軟正黑體" pitchFamily="34" charset="-120"/>
+              </a:rPr>
+              <a:t>沒有失望</a:t>
+            </a:r>
+            <a:endParaRPr lang="en-US" altLang="zh-TW" sz="6400" b="1" dirty="0">
+              <a:solidFill>
+                <a:srgbClr val="660033"/>
+              </a:solidFill>
+              <a:latin typeface="微軟正黑體" pitchFamily="34" charset="-120"/>
+              <a:ea typeface="微軟正黑體" pitchFamily="34" charset="-120"/>
+            </a:endParaRPr>
+          </a:p>
+        </p:txBody>
+      </p:sp>
+      <p:sp>
+        <p:nvSpPr>
+          <p:cNvPr id="3" name="TextBox 2"/>
+          <p:cNvSpPr txBox="1"/>
+          <p:nvPr/>
+        </p:nvSpPr>
+        <p:spPr>
+          <a:xfrm>
+            <a:off x="0" y="5157192"/>
+            <a:ext cx="12192000" cy="748988"/>
+          </a:xfrm>
+          <a:prstGeom prst="rect">
+            <a:avLst/>
+          </a:prstGeom>
+          <a:noFill/>
+        </p:spPr>
+        <p:txBody>
+          <a:bodyPr wrap="square" rtlCol="0">
+            <a:spAutoFit/>
+          </a:bodyPr>
+          <a:lstStyle/>
+          <a:p>
+            <a:pPr algn="ctr"/>
+            <a:r>
+              <a:rPr lang="en-US" sz="4267" b="1" dirty="0">
+                <a:solidFill>
+                  <a:srgbClr val="660033"/>
+                </a:solidFill>
+                <a:latin typeface="Microsoft JhengHei" panose="020B0604030504040204" pitchFamily="34" charset="-120"/>
+                <a:ea typeface="Microsoft JhengHei" panose="020B0604030504040204" pitchFamily="34" charset="-120"/>
+              </a:rPr>
+              <a:t>( </a:t>
+            </a:r>
+            <a:r>
+              <a:rPr lang="zh-CN" altLang="en-US" sz="4267" b="1" dirty="0">
+                <a:solidFill>
+                  <a:srgbClr val="660033"/>
+                </a:solidFill>
+                <a:latin typeface="Microsoft JhengHei" panose="020B0604030504040204" pitchFamily="34" charset="-120"/>
+                <a:ea typeface="Microsoft JhengHei" panose="020B0604030504040204" pitchFamily="34" charset="-120"/>
+              </a:rPr>
+              <a:t>正</a:t>
+            </a:r>
+            <a:r>
+              <a:rPr lang="en-US" sz="4267" b="1" dirty="0">
+                <a:solidFill>
+                  <a:srgbClr val="660033"/>
+                </a:solidFill>
+                <a:latin typeface="Microsoft JhengHei" panose="020B0604030504040204" pitchFamily="34" charset="-120"/>
+                <a:ea typeface="Microsoft JhengHei" panose="020B0604030504040204" pitchFamily="34" charset="-120"/>
+              </a:rPr>
+              <a:t> )</a:t>
+            </a:r>
+            <a:endParaRPr lang="vi-VN" sz="4267" b="1" dirty="0">
+              <a:solidFill>
+                <a:srgbClr val="660033"/>
+              </a:solidFill>
+              <a:ea typeface="Microsoft JhengHei" panose="020B0604030504040204" pitchFamily="34" charset="-120"/>
+            </a:endParaRPr>
+          </a:p>
+        </p:txBody>
+      </p:sp>
+    </p:spTree>
+    <p:extLst>
+      <p:ext uri="{BB962C8B-B14F-4D97-AF65-F5344CB8AC3E}">
+        <p14:creationId xmlns:p14="http://schemas.microsoft.com/office/powerpoint/2010/main" val="2980362333"/>
+      </p:ext>
+    </p:extLst>
+  </p:cSld>
+  <p:clrMapOvr>
+    <a:masterClrMapping/>
+  </p:clrMapOvr>
+</p:sld>
+</file>
+
+<file path=ppt/slides/slide5.xml><?xml version="1.0" encoding="utf-8"?>
+<p:sld xmlns:a="http://schemas.openxmlformats.org/drawingml/2006/main" xmlns:r="http://schemas.openxmlformats.org/officeDocument/2006/relationships" xmlns:p="http://schemas.openxmlformats.org/presentationml/2006/main">
+  <p:cSld>
+    <p:spTree>
+      <p:nvGrpSpPr>
+        <p:cNvPr id="1" name=""/>
+        <p:cNvGrpSpPr/>
+        <p:nvPr/>
+      </p:nvGrpSpPr>
+      <p:grpSpPr>
+        <a:xfrm>
+          <a:off x="0" y="0"/>
+          <a:ext cx="0" cy="0"/>
+          <a:chOff x="0" y="0"/>
+          <a:chExt cx="0" cy="0"/>
+        </a:xfrm>
+      </p:grpSpPr>
+      <p:sp>
+        <p:nvSpPr>
+          <p:cNvPr id="5" name="內容版面配置區 4"/>
+          <p:cNvSpPr>
+            <a:spLocks noGrp="1"/>
+          </p:cNvSpPr>
+          <p:nvPr>
+            <p:ph idx="1"/>
+          </p:nvPr>
+        </p:nvSpPr>
+        <p:spPr>
+          <a:xfrm>
+            <a:off x="0" y="2084851"/>
+            <a:ext cx="12192000" cy="2404863"/>
+          </a:xfrm>
+        </p:spPr>
+        <p:txBody>
+          <a:bodyPr anchor="ctr">
+            <a:normAutofit/>
+          </a:bodyPr>
+          <a:lstStyle/>
+          <a:p>
+            <a:pPr algn="ctr">
+              <a:buNone/>
+            </a:pPr>
+            <a:r>
+              <a:rPr lang="zh-TW" altLang="en-US" sz="6400" b="1" dirty="0">
+                <a:solidFill>
+                  <a:srgbClr val="660033"/>
+                </a:solidFill>
+                <a:latin typeface="微軟正黑體" pitchFamily="34" charset="-120"/>
+                <a:ea typeface="微軟正黑體" pitchFamily="34" charset="-120"/>
+              </a:rPr>
+              <a:t>心中充滿盼</a:t>
+            </a:r>
+            <a:r>
+              <a:rPr lang="zh-TW" altLang="en-US" sz="6400" b="1" dirty="0">
+                <a:solidFill>
+                  <a:srgbClr val="660033"/>
+                </a:solidFill>
+                <a:latin typeface="微軟正黑體" pitchFamily="34" charset="-120"/>
+                <a:ea typeface="微軟正黑體" pitchFamily="34" charset="-120"/>
+              </a:rPr>
+              <a:t>望  盼</a:t>
+            </a:r>
+            <a:r>
+              <a:rPr lang="zh-TW" altLang="en-US" sz="6400" b="1" dirty="0">
+                <a:solidFill>
+                  <a:srgbClr val="660033"/>
+                </a:solidFill>
+                <a:latin typeface="微軟正黑體" pitchFamily="34" charset="-120"/>
+                <a:ea typeface="微軟正黑體" pitchFamily="34" charset="-120"/>
+              </a:rPr>
+              <a:t>望使眼睛明</a:t>
+            </a:r>
+            <a:r>
+              <a:rPr lang="zh-TW" altLang="en-US" sz="6400" b="1" dirty="0">
+                <a:solidFill>
+                  <a:srgbClr val="660033"/>
+                </a:solidFill>
+                <a:latin typeface="微軟正黑體" pitchFamily="34" charset="-120"/>
+                <a:ea typeface="微軟正黑體" pitchFamily="34" charset="-120"/>
+              </a:rPr>
+              <a:t>亮</a:t>
+            </a:r>
+            <a:endParaRPr lang="en-US" altLang="zh-TW" sz="6400" b="1" dirty="0">
+              <a:solidFill>
+                <a:srgbClr val="660033"/>
+              </a:solidFill>
+              <a:latin typeface="微軟正黑體" pitchFamily="34" charset="-120"/>
+              <a:ea typeface="微軟正黑體" pitchFamily="34" charset="-120"/>
+            </a:endParaRPr>
+          </a:p>
+          <a:p>
+            <a:pPr algn="ctr">
+              <a:buNone/>
+            </a:pPr>
+            <a:r>
+              <a:rPr lang="zh-TW" altLang="en-US" sz="6400" b="1" dirty="0">
+                <a:solidFill>
+                  <a:srgbClr val="660033"/>
+                </a:solidFill>
+                <a:latin typeface="微軟正黑體" pitchFamily="34" charset="-120"/>
+                <a:ea typeface="微軟正黑體" pitchFamily="34" charset="-120"/>
+              </a:rPr>
+              <a:t>道</a:t>
+            </a:r>
+            <a:r>
+              <a:rPr lang="zh-TW" altLang="en-US" sz="6400" b="1" dirty="0">
+                <a:solidFill>
+                  <a:srgbClr val="660033"/>
+                </a:solidFill>
+                <a:latin typeface="微軟正黑體" pitchFamily="34" charset="-120"/>
+                <a:ea typeface="微軟正黑體" pitchFamily="34" charset="-120"/>
+              </a:rPr>
+              <a:t>路雖崎</a:t>
+            </a:r>
+            <a:r>
+              <a:rPr lang="zh-TW" altLang="en-US" sz="6400" b="1" dirty="0">
+                <a:solidFill>
+                  <a:srgbClr val="660033"/>
+                </a:solidFill>
+                <a:latin typeface="微軟正黑體" pitchFamily="34" charset="-120"/>
+                <a:ea typeface="微軟正黑體" pitchFamily="34" charset="-120"/>
+              </a:rPr>
+              <a:t>嶇  你</a:t>
+            </a:r>
+            <a:r>
+              <a:rPr lang="zh-TW" altLang="en-US" sz="6400" b="1" dirty="0">
+                <a:solidFill>
+                  <a:srgbClr val="660033"/>
+                </a:solidFill>
+                <a:latin typeface="微軟正黑體" pitchFamily="34" charset="-120"/>
+                <a:ea typeface="微軟正黑體" pitchFamily="34" charset="-120"/>
+              </a:rPr>
+              <a:t>與我同行</a:t>
+            </a:r>
+            <a:endParaRPr lang="en-US" altLang="zh-TW" sz="6400" b="1" dirty="0">
+              <a:solidFill>
+                <a:srgbClr val="660033"/>
+              </a:solidFill>
+              <a:latin typeface="微軟正黑體" pitchFamily="34" charset="-120"/>
+              <a:ea typeface="微軟正黑體" pitchFamily="34" charset="-120"/>
+            </a:endParaRPr>
+          </a:p>
+        </p:txBody>
+      </p:sp>
+      <p:sp>
+        <p:nvSpPr>
+          <p:cNvPr id="3" name="TextBox 2"/>
+          <p:cNvSpPr txBox="1"/>
+          <p:nvPr/>
+        </p:nvSpPr>
+        <p:spPr>
+          <a:xfrm>
+            <a:off x="0" y="5157192"/>
+            <a:ext cx="12192000" cy="748988"/>
+          </a:xfrm>
+          <a:prstGeom prst="rect">
+            <a:avLst/>
+          </a:prstGeom>
+          <a:noFill/>
+        </p:spPr>
+        <p:txBody>
+          <a:bodyPr wrap="square" rtlCol="0">
+            <a:spAutoFit/>
+          </a:bodyPr>
+          <a:lstStyle/>
+          <a:p>
+            <a:pPr algn="ctr"/>
+            <a:r>
+              <a:rPr lang="en-US" sz="4267" b="1" dirty="0">
+                <a:solidFill>
+                  <a:srgbClr val="660033"/>
+                </a:solidFill>
+                <a:latin typeface="Microsoft JhengHei" panose="020B0604030504040204" pitchFamily="34" charset="-120"/>
+                <a:ea typeface="Microsoft JhengHei" panose="020B0604030504040204" pitchFamily="34" charset="-120"/>
+              </a:rPr>
+              <a:t>( </a:t>
+            </a:r>
+            <a:r>
+              <a:rPr lang="zh-CN" altLang="en-US" sz="4267" b="1" dirty="0" smtClean="0">
+                <a:solidFill>
+                  <a:srgbClr val="660033"/>
+                </a:solidFill>
+                <a:latin typeface="Microsoft JhengHei" panose="020B0604030504040204" pitchFamily="34" charset="-120"/>
+                <a:ea typeface="Microsoft JhengHei" panose="020B0604030504040204" pitchFamily="34" charset="-120"/>
+              </a:rPr>
+              <a:t>副</a:t>
+            </a:r>
+            <a:r>
+              <a:rPr lang="en-US" sz="4267" b="1" dirty="0" smtClean="0">
+                <a:solidFill>
+                  <a:srgbClr val="660033"/>
+                </a:solidFill>
+                <a:latin typeface="Microsoft JhengHei" panose="020B0604030504040204" pitchFamily="34" charset="-120"/>
+                <a:ea typeface="Microsoft JhengHei" panose="020B0604030504040204" pitchFamily="34" charset="-120"/>
+              </a:rPr>
+              <a:t> </a:t>
+            </a:r>
+            <a:r>
+              <a:rPr lang="en-US" sz="4267" b="1" dirty="0">
+                <a:solidFill>
+                  <a:srgbClr val="660033"/>
+                </a:solidFill>
+                <a:latin typeface="Microsoft JhengHei" panose="020B0604030504040204" pitchFamily="34" charset="-120"/>
+                <a:ea typeface="Microsoft JhengHei" panose="020B0604030504040204" pitchFamily="34" charset="-120"/>
+              </a:rPr>
+              <a:t>)</a:t>
+            </a:r>
+            <a:endParaRPr lang="vi-VN" sz="4267" b="1" dirty="0">
+              <a:solidFill>
+                <a:srgbClr val="660033"/>
+              </a:solidFill>
+              <a:ea typeface="Microsoft JhengHei" panose="020B0604030504040204" pitchFamily="34" charset="-120"/>
+            </a:endParaRPr>
+          </a:p>
+        </p:txBody>
+      </p:sp>
+    </p:spTree>
+    <p:extLst>
+      <p:ext uri="{BB962C8B-B14F-4D97-AF65-F5344CB8AC3E}">
+        <p14:creationId xmlns:p14="http://schemas.microsoft.com/office/powerpoint/2010/main" val="3524476845"/>
+      </p:ext>
+    </p:extLst>
+  </p:cSld>
+  <p:clrMapOvr>
+    <a:masterClrMapping/>
+  </p:clrMapOvr>
+</p:sld>
+</file>
+
+<file path=ppt/slides/slide6.xml><?xml version="1.0" encoding="utf-8"?>
+<p:sld xmlns:a="http://schemas.openxmlformats.org/drawingml/2006/main" xmlns:r="http://schemas.openxmlformats.org/officeDocument/2006/relationships" xmlns:p="http://schemas.openxmlformats.org/presentationml/2006/main">
+  <p:cSld>
+    <p:spTree>
+      <p:nvGrpSpPr>
+        <p:cNvPr id="1" name=""/>
+        <p:cNvGrpSpPr/>
+        <p:nvPr/>
+      </p:nvGrpSpPr>
+      <p:grpSpPr>
+        <a:xfrm>
+          <a:off x="0" y="0"/>
+          <a:ext cx="0" cy="0"/>
+          <a:chOff x="0" y="0"/>
+          <a:chExt cx="0" cy="0"/>
+        </a:xfrm>
+      </p:grpSpPr>
+      <p:sp>
+        <p:nvSpPr>
+          <p:cNvPr id="5" name="內容版面配置區 4"/>
+          <p:cNvSpPr>
+            <a:spLocks noGrp="1"/>
+          </p:cNvSpPr>
+          <p:nvPr>
+            <p:ph idx="1"/>
+          </p:nvPr>
+        </p:nvSpPr>
+        <p:spPr>
+          <a:xfrm>
+            <a:off x="0" y="2084851"/>
+            <a:ext cx="12192000" cy="2404863"/>
+          </a:xfrm>
+        </p:spPr>
+        <p:txBody>
+          <a:bodyPr anchor="ctr">
+            <a:normAutofit/>
+          </a:bodyPr>
+          <a:lstStyle/>
+          <a:p>
+            <a:pPr algn="ctr">
+              <a:buNone/>
+            </a:pPr>
+            <a:r>
+              <a:rPr lang="zh-TW" altLang="en-US" sz="6400" b="1" dirty="0">
+                <a:solidFill>
+                  <a:srgbClr val="660033"/>
+                </a:solidFill>
+                <a:latin typeface="微軟正黑體" pitchFamily="34" charset="-120"/>
+                <a:ea typeface="微軟正黑體" pitchFamily="34" charset="-120"/>
+              </a:rPr>
+              <a:t>心中充滿盼</a:t>
+            </a:r>
+            <a:r>
+              <a:rPr lang="zh-TW" altLang="en-US" sz="6400" b="1" dirty="0">
+                <a:solidFill>
+                  <a:srgbClr val="660033"/>
+                </a:solidFill>
+                <a:latin typeface="微軟正黑體" pitchFamily="34" charset="-120"/>
+                <a:ea typeface="微軟正黑體" pitchFamily="34" charset="-120"/>
+              </a:rPr>
+              <a:t>望  盼</a:t>
+            </a:r>
+            <a:r>
+              <a:rPr lang="zh-TW" altLang="en-US" sz="6400" b="1" dirty="0">
+                <a:solidFill>
+                  <a:srgbClr val="660033"/>
+                </a:solidFill>
+                <a:latin typeface="微軟正黑體" pitchFamily="34" charset="-120"/>
+                <a:ea typeface="微軟正黑體" pitchFamily="34" charset="-120"/>
+              </a:rPr>
+              <a:t>望使信心剛</a:t>
+            </a:r>
+            <a:r>
+              <a:rPr lang="zh-TW" altLang="en-US" sz="6400" b="1" dirty="0">
+                <a:solidFill>
+                  <a:srgbClr val="660033"/>
+                </a:solidFill>
+                <a:latin typeface="微軟正黑體" pitchFamily="34" charset="-120"/>
+                <a:ea typeface="微軟正黑體" pitchFamily="34" charset="-120"/>
+              </a:rPr>
+              <a:t>強</a:t>
+            </a:r>
+            <a:endParaRPr lang="en-US" altLang="zh-TW" sz="6400" b="1" dirty="0">
+              <a:solidFill>
+                <a:srgbClr val="660033"/>
+              </a:solidFill>
+              <a:latin typeface="微軟正黑體" pitchFamily="34" charset="-120"/>
+              <a:ea typeface="微軟正黑體" pitchFamily="34" charset="-120"/>
+            </a:endParaRPr>
+          </a:p>
+          <a:p>
+            <a:pPr algn="ctr">
+              <a:buNone/>
+            </a:pPr>
+            <a:r>
+              <a:rPr lang="zh-TW" altLang="en-US" sz="6400" b="1" dirty="0">
+                <a:solidFill>
+                  <a:srgbClr val="660033"/>
+                </a:solidFill>
+                <a:latin typeface="微軟正黑體" pitchFamily="34" charset="-120"/>
+                <a:ea typeface="微軟正黑體" pitchFamily="34" charset="-120"/>
+              </a:rPr>
+              <a:t>信</a:t>
+            </a:r>
+            <a:r>
+              <a:rPr lang="zh-TW" altLang="en-US" sz="6400" b="1" dirty="0">
+                <a:solidFill>
+                  <a:srgbClr val="660033"/>
+                </a:solidFill>
+                <a:latin typeface="微軟正黑體" pitchFamily="34" charset="-120"/>
+                <a:ea typeface="微軟正黑體" pitchFamily="34" charset="-120"/>
+              </a:rPr>
+              <a:t>靠每一句應</a:t>
+            </a:r>
+            <a:r>
+              <a:rPr lang="zh-TW" altLang="en-US" sz="6400" b="1" dirty="0">
+                <a:solidFill>
+                  <a:srgbClr val="660033"/>
+                </a:solidFill>
+                <a:latin typeface="微軟正黑體" pitchFamily="34" charset="-120"/>
+                <a:ea typeface="微軟正黑體" pitchFamily="34" charset="-120"/>
+              </a:rPr>
+              <a:t>許  生</a:t>
+            </a:r>
+            <a:r>
+              <a:rPr lang="zh-TW" altLang="en-US" sz="6400" b="1" dirty="0">
+                <a:solidFill>
+                  <a:srgbClr val="660033"/>
+                </a:solidFill>
+                <a:latin typeface="微軟正黑體" pitchFamily="34" charset="-120"/>
+                <a:ea typeface="微軟正黑體" pitchFamily="34" charset="-120"/>
+              </a:rPr>
+              <a:t>命充滿亮光</a:t>
+            </a:r>
+            <a:endParaRPr lang="en-US" altLang="zh-TW" sz="6400" b="1" dirty="0">
+              <a:solidFill>
+                <a:srgbClr val="660033"/>
+              </a:solidFill>
+              <a:latin typeface="微軟正黑體" pitchFamily="34" charset="-120"/>
+              <a:ea typeface="微軟正黑體" pitchFamily="34" charset="-120"/>
+            </a:endParaRPr>
+          </a:p>
+        </p:txBody>
+      </p:sp>
+      <p:sp>
+        <p:nvSpPr>
+          <p:cNvPr id="3" name="TextBox 2"/>
+          <p:cNvSpPr txBox="1"/>
+          <p:nvPr/>
+        </p:nvSpPr>
+        <p:spPr>
+          <a:xfrm>
+            <a:off x="0" y="5157192"/>
+            <a:ext cx="12192000" cy="748988"/>
+          </a:xfrm>
+          <a:prstGeom prst="rect">
+            <a:avLst/>
+          </a:prstGeom>
+          <a:noFill/>
+        </p:spPr>
+        <p:txBody>
+          <a:bodyPr wrap="square" rtlCol="0">
+            <a:spAutoFit/>
+          </a:bodyPr>
+          <a:lstStyle/>
+          <a:p>
+            <a:pPr algn="ctr"/>
+            <a:r>
+              <a:rPr lang="en-US" sz="4267" b="1" dirty="0">
+                <a:solidFill>
+                  <a:srgbClr val="660033"/>
+                </a:solidFill>
+                <a:latin typeface="Microsoft JhengHei" panose="020B0604030504040204" pitchFamily="34" charset="-120"/>
+                <a:ea typeface="Microsoft JhengHei" panose="020B0604030504040204" pitchFamily="34" charset="-120"/>
+              </a:rPr>
+              <a:t>( </a:t>
+            </a:r>
+            <a:r>
+              <a:rPr lang="zh-CN" altLang="en-US" sz="4267" b="1" dirty="0" smtClean="0">
+                <a:solidFill>
+                  <a:srgbClr val="660033"/>
+                </a:solidFill>
+                <a:latin typeface="Microsoft JhengHei" panose="020B0604030504040204" pitchFamily="34" charset="-120"/>
+                <a:ea typeface="Microsoft JhengHei" panose="020B0604030504040204" pitchFamily="34" charset="-120"/>
+              </a:rPr>
+              <a:t>副</a:t>
+            </a:r>
+            <a:r>
+              <a:rPr lang="en-US" sz="4267" b="1" dirty="0" smtClean="0">
+                <a:solidFill>
+                  <a:srgbClr val="660033"/>
+                </a:solidFill>
+                <a:latin typeface="Microsoft JhengHei" panose="020B0604030504040204" pitchFamily="34" charset="-120"/>
+                <a:ea typeface="Microsoft JhengHei" panose="020B0604030504040204" pitchFamily="34" charset="-120"/>
+              </a:rPr>
+              <a:t> </a:t>
+            </a:r>
+            <a:r>
+              <a:rPr lang="en-US" sz="4267" b="1" dirty="0">
+                <a:solidFill>
+                  <a:srgbClr val="660033"/>
+                </a:solidFill>
+                <a:latin typeface="Microsoft JhengHei" panose="020B0604030504040204" pitchFamily="34" charset="-120"/>
+                <a:ea typeface="Microsoft JhengHei" panose="020B0604030504040204" pitchFamily="34" charset="-120"/>
+              </a:rPr>
+              <a:t>)</a:t>
+            </a:r>
+            <a:endParaRPr lang="vi-VN" sz="4267" b="1" dirty="0">
+              <a:solidFill>
+                <a:srgbClr val="660033"/>
+              </a:solidFill>
+              <a:ea typeface="Microsoft JhengHei" panose="020B0604030504040204" pitchFamily="34" charset="-120"/>
+            </a:endParaRPr>
+          </a:p>
+        </p:txBody>
+      </p:sp>
+    </p:spTree>
+    <p:extLst>
+      <p:ext uri="{BB962C8B-B14F-4D97-AF65-F5344CB8AC3E}">
+        <p14:creationId xmlns:p14="http://schemas.microsoft.com/office/powerpoint/2010/main" val="2847923592"/>
       </p:ext>
     </p:extLst>
   </p:cSld>
@@ -3896,7 +4508,7 @@
   <a:extraClrSchemeLst/>
   <a:extLst>
     <a:ext uri="{05A4C25C-085E-4340-85A3-A5531E510DB2}">
-      <thm15:themeFamily xmlns:thm15="http://schemas.microsoft.com/office/thememl/2012/main" name="Theme1" id="{AFC7C034-021A-479F-A5B0-F4AE2AC2A6F8}" vid="{E4B01A5C-7C0B-4AB8-8973-047186F18E30}"/>
+      <thm15:themeFamily xmlns:thm15="http://schemas.microsoft.com/office/thememl/2012/main" name="Theme1" id="{1A8DE197-990E-4893-BF04-3823FBB50F9A}" vid="{430B7048-5A04-4BDB-939A-C7E865DB887B}"/>
     </a:ext>
   </a:extLst>
 </a:theme>

--- a/信靠每一句應許.pptx
+++ b/信靠每一句應許.pptx
@@ -109,6 +109,11 @@
       </a:defRPr>
     </a:lvl9pPr>
   </p:defaultTextStyle>
+  <p:extLst>
+    <p:ext uri="{EFAFB233-063F-42B5-8137-9DF3F51BA10A}">
+      <p15:sldGuideLst xmlns:p15="http://schemas.microsoft.com/office/powerpoint/2012/main"/>
+    </p:ext>
+  </p:extLst>
 </p:presentation>
 </file>
 
@@ -293,7 +298,7 @@
           <a:p>
             <a:fld id="{5B133239-F33A-473A-B6EE-49591CBAB693}" type="datetimeFigureOut">
               <a:rPr lang="vi-VN" smtClean="0"/>
-              <a:t>16/07/2022</a:t>
+              <a:t>14/01/2023</a:t>
             </a:fld>
             <a:endParaRPr lang="vi-VN"/>
           </a:p>
@@ -463,7 +468,7 @@
           <a:p>
             <a:fld id="{5B133239-F33A-473A-B6EE-49591CBAB693}" type="datetimeFigureOut">
               <a:rPr lang="vi-VN" smtClean="0"/>
-              <a:t>16/07/2022</a:t>
+              <a:t>14/01/2023</a:t>
             </a:fld>
             <a:endParaRPr lang="vi-VN"/>
           </a:p>
@@ -643,7 +648,7 @@
           <a:p>
             <a:fld id="{5B133239-F33A-473A-B6EE-49591CBAB693}" type="datetimeFigureOut">
               <a:rPr lang="vi-VN" smtClean="0"/>
-              <a:t>16/07/2022</a:t>
+              <a:t>14/01/2023</a:t>
             </a:fld>
             <a:endParaRPr lang="vi-VN"/>
           </a:p>
@@ -813,7 +818,7 @@
           <a:p>
             <a:fld id="{5B133239-F33A-473A-B6EE-49591CBAB693}" type="datetimeFigureOut">
               <a:rPr lang="vi-VN" smtClean="0"/>
-              <a:t>16/07/2022</a:t>
+              <a:t>14/01/2023</a:t>
             </a:fld>
             <a:endParaRPr lang="vi-VN"/>
           </a:p>
@@ -1059,7 +1064,7 @@
           <a:p>
             <a:fld id="{5B133239-F33A-473A-B6EE-49591CBAB693}" type="datetimeFigureOut">
               <a:rPr lang="vi-VN" smtClean="0"/>
-              <a:t>16/07/2022</a:t>
+              <a:t>14/01/2023</a:t>
             </a:fld>
             <a:endParaRPr lang="vi-VN"/>
           </a:p>
@@ -1347,7 +1352,7 @@
           <a:p>
             <a:fld id="{5B133239-F33A-473A-B6EE-49591CBAB693}" type="datetimeFigureOut">
               <a:rPr lang="vi-VN" smtClean="0"/>
-              <a:t>16/07/2022</a:t>
+              <a:t>14/01/2023</a:t>
             </a:fld>
             <a:endParaRPr lang="vi-VN"/>
           </a:p>
@@ -1769,7 +1774,7 @@
           <a:p>
             <a:fld id="{5B133239-F33A-473A-B6EE-49591CBAB693}" type="datetimeFigureOut">
               <a:rPr lang="vi-VN" smtClean="0"/>
-              <a:t>16/07/2022</a:t>
+              <a:t>14/01/2023</a:t>
             </a:fld>
             <a:endParaRPr lang="vi-VN"/>
           </a:p>
@@ -1887,7 +1892,7 @@
           <a:p>
             <a:fld id="{5B133239-F33A-473A-B6EE-49591CBAB693}" type="datetimeFigureOut">
               <a:rPr lang="vi-VN" smtClean="0"/>
-              <a:t>16/07/2022</a:t>
+              <a:t>14/01/2023</a:t>
             </a:fld>
             <a:endParaRPr lang="vi-VN"/>
           </a:p>
@@ -1982,7 +1987,7 @@
           <a:p>
             <a:fld id="{5B133239-F33A-473A-B6EE-49591CBAB693}" type="datetimeFigureOut">
               <a:rPr lang="vi-VN" smtClean="0"/>
-              <a:t>16/07/2022</a:t>
+              <a:t>14/01/2023</a:t>
             </a:fld>
             <a:endParaRPr lang="vi-VN"/>
           </a:p>
@@ -2259,7 +2264,7 @@
           <a:p>
             <a:fld id="{5B133239-F33A-473A-B6EE-49591CBAB693}" type="datetimeFigureOut">
               <a:rPr lang="vi-VN" smtClean="0"/>
-              <a:t>16/07/2022</a:t>
+              <a:t>14/01/2023</a:t>
             </a:fld>
             <a:endParaRPr lang="vi-VN"/>
           </a:p>
@@ -2516,7 +2521,7 @@
           <a:p>
             <a:fld id="{5B133239-F33A-473A-B6EE-49591CBAB693}" type="datetimeFigureOut">
               <a:rPr lang="vi-VN" smtClean="0"/>
-              <a:t>16/07/2022</a:t>
+              <a:t>14/01/2023</a:t>
             </a:fld>
             <a:endParaRPr lang="vi-VN"/>
           </a:p>
@@ -2734,7 +2739,7 @@
           <a:p>
             <a:fld id="{5B133239-F33A-473A-B6EE-49591CBAB693}" type="datetimeFigureOut">
               <a:rPr lang="vi-VN" smtClean="0"/>
-              <a:t>16/07/2022</a:t>
+              <a:t>14/01/2023</a:t>
             </a:fld>
             <a:endParaRPr lang="vi-VN"/>
           </a:p>
@@ -3261,17 +3266,7 @@
                 <a:latin typeface="微軟正黑體" pitchFamily="34" charset="-120"/>
                 <a:ea typeface="微軟正黑體" pitchFamily="34" charset="-120"/>
               </a:rPr>
-              <a:t>卑微轉為尊</a:t>
-            </a:r>
-            <a:r>
-              <a:rPr lang="zh-TW" altLang="en-US" sz="6400" b="1" dirty="0">
-                <a:solidFill>
-                  <a:srgbClr val="660033"/>
-                </a:solidFill>
-                <a:latin typeface="微軟正黑體" pitchFamily="34" charset="-120"/>
-                <a:ea typeface="微軟正黑體" pitchFamily="34" charset="-120"/>
-              </a:rPr>
-              <a:t>貴</a:t>
+              <a:t>卑微轉為尊貴</a:t>
             </a:r>
             <a:endParaRPr lang="en-US" altLang="zh-TW" sz="6400" b="1" dirty="0">
               <a:solidFill>
@@ -3293,17 +3288,7 @@
                 <a:latin typeface="微軟正黑體" pitchFamily="34" charset="-120"/>
                 <a:ea typeface="微軟正黑體" pitchFamily="34" charset="-120"/>
               </a:rPr>
-              <a:t>使</a:t>
-            </a:r>
-            <a:r>
-              <a:rPr lang="zh-TW" altLang="en-US" sz="6400" b="1" dirty="0">
-                <a:solidFill>
-                  <a:srgbClr val="660033"/>
-                </a:solidFill>
-                <a:latin typeface="微軟正黑體" pitchFamily="34" charset="-120"/>
-                <a:ea typeface="微軟正黑體" pitchFamily="34" charset="-120"/>
-              </a:rPr>
-              <a:t>傷心流淚轉為笑顏</a:t>
+              <a:t>使傷心流淚轉為笑顏</a:t>
             </a:r>
             <a:endParaRPr lang="en-US" altLang="zh-TW" sz="6400" b="1" dirty="0">
               <a:solidFill>
@@ -3440,17 +3425,7 @@
                 <a:latin typeface="微軟正黑體" pitchFamily="34" charset="-120"/>
                 <a:ea typeface="微軟正黑體" pitchFamily="34" charset="-120"/>
               </a:rPr>
-              <a:t>患難生忍</a:t>
-            </a:r>
-            <a:r>
-              <a:rPr lang="zh-TW" altLang="en-US" sz="6400" b="1" dirty="0">
-                <a:solidFill>
-                  <a:srgbClr val="660033"/>
-                </a:solidFill>
-                <a:latin typeface="微軟正黑體" pitchFamily="34" charset="-120"/>
-                <a:ea typeface="微軟正黑體" pitchFamily="34" charset="-120"/>
-              </a:rPr>
-              <a:t>耐</a:t>
+              <a:t>患難生忍耐</a:t>
             </a:r>
             <a:endParaRPr lang="en-US" altLang="zh-TW" sz="6400" b="1" dirty="0">
               <a:solidFill>
@@ -3472,17 +3447,7 @@
                 <a:latin typeface="微軟正黑體" pitchFamily="34" charset="-120"/>
                 <a:ea typeface="微軟正黑體" pitchFamily="34" charset="-120"/>
               </a:rPr>
-              <a:t>忍</a:t>
-            </a:r>
-            <a:r>
-              <a:rPr lang="zh-TW" altLang="en-US" sz="6400" b="1" dirty="0">
-                <a:solidFill>
-                  <a:srgbClr val="660033"/>
-                </a:solidFill>
-                <a:latin typeface="微軟正黑體" pitchFamily="34" charset="-120"/>
-                <a:ea typeface="微軟正黑體" pitchFamily="34" charset="-120"/>
-              </a:rPr>
-              <a:t>耐生老練</a:t>
+              <a:t>忍耐生老練</a:t>
             </a:r>
             <a:endParaRPr lang="en-US" altLang="zh-TW" sz="6400" b="1" dirty="0">
               <a:solidFill>
@@ -3619,17 +3584,7 @@
                 <a:latin typeface="微軟正黑體" pitchFamily="34" charset="-120"/>
                 <a:ea typeface="微軟正黑體" pitchFamily="34" charset="-120"/>
               </a:rPr>
-              <a:t>老練生盼</a:t>
-            </a:r>
-            <a:r>
-              <a:rPr lang="zh-TW" altLang="en-US" sz="6400" b="1" dirty="0">
-                <a:solidFill>
-                  <a:srgbClr val="660033"/>
-                </a:solidFill>
-                <a:latin typeface="微軟正黑體" pitchFamily="34" charset="-120"/>
-                <a:ea typeface="微軟正黑體" pitchFamily="34" charset="-120"/>
-              </a:rPr>
-              <a:t>望</a:t>
+              <a:t>老練生盼望</a:t>
             </a:r>
             <a:endParaRPr lang="en-US" altLang="zh-TW" sz="6400" b="1" dirty="0">
               <a:solidFill>
@@ -3651,37 +3606,7 @@
                 <a:latin typeface="微軟正黑體" pitchFamily="34" charset="-120"/>
                 <a:ea typeface="微軟正黑體" pitchFamily="34" charset="-120"/>
               </a:rPr>
-              <a:t>盼</a:t>
-            </a:r>
-            <a:r>
-              <a:rPr lang="zh-TW" altLang="en-US" sz="6400" b="1" dirty="0">
-                <a:solidFill>
-                  <a:srgbClr val="660033"/>
-                </a:solidFill>
-                <a:latin typeface="微軟正黑體" pitchFamily="34" charset="-120"/>
-                <a:ea typeface="微軟正黑體" pitchFamily="34" charset="-120"/>
-              </a:rPr>
-              <a:t>望不至羞</a:t>
-            </a:r>
-            <a:r>
-              <a:rPr lang="zh-TW" altLang="en-US" sz="6400" b="1" dirty="0">
-                <a:solidFill>
-                  <a:srgbClr val="660033"/>
-                </a:solidFill>
-                <a:latin typeface="微軟正黑體" pitchFamily="34" charset="-120"/>
-                <a:ea typeface="微軟正黑體" pitchFamily="34" charset="-120"/>
-              </a:rPr>
-              <a:t>愧  就</a:t>
-            </a:r>
-            <a:r>
-              <a:rPr lang="zh-TW" altLang="en-US" sz="6400" b="1" dirty="0">
-                <a:solidFill>
-                  <a:srgbClr val="660033"/>
-                </a:solidFill>
-                <a:latin typeface="微軟正黑體" pitchFamily="34" charset="-120"/>
-                <a:ea typeface="微軟正黑體" pitchFamily="34" charset="-120"/>
-              </a:rPr>
-              <a:t>沒有失望</a:t>
+              <a:t>盼望不至羞愧  就沒有失望</a:t>
             </a:r>
             <a:endParaRPr lang="en-US" altLang="zh-TW" sz="6400" b="1" dirty="0">
               <a:solidFill>
@@ -3818,37 +3743,7 @@
                 <a:latin typeface="微軟正黑體" pitchFamily="34" charset="-120"/>
                 <a:ea typeface="微軟正黑體" pitchFamily="34" charset="-120"/>
               </a:rPr>
-              <a:t>心中充滿盼</a:t>
-            </a:r>
-            <a:r>
-              <a:rPr lang="zh-TW" altLang="en-US" sz="6400" b="1" dirty="0">
-                <a:solidFill>
-                  <a:srgbClr val="660033"/>
-                </a:solidFill>
-                <a:latin typeface="微軟正黑體" pitchFamily="34" charset="-120"/>
-                <a:ea typeface="微軟正黑體" pitchFamily="34" charset="-120"/>
-              </a:rPr>
-              <a:t>望  盼</a:t>
-            </a:r>
-            <a:r>
-              <a:rPr lang="zh-TW" altLang="en-US" sz="6400" b="1" dirty="0">
-                <a:solidFill>
-                  <a:srgbClr val="660033"/>
-                </a:solidFill>
-                <a:latin typeface="微軟正黑體" pitchFamily="34" charset="-120"/>
-                <a:ea typeface="微軟正黑體" pitchFamily="34" charset="-120"/>
-              </a:rPr>
-              <a:t>望使眼睛明</a:t>
-            </a:r>
-            <a:r>
-              <a:rPr lang="zh-TW" altLang="en-US" sz="6400" b="1" dirty="0">
-                <a:solidFill>
-                  <a:srgbClr val="660033"/>
-                </a:solidFill>
-                <a:latin typeface="微軟正黑體" pitchFamily="34" charset="-120"/>
-                <a:ea typeface="微軟正黑體" pitchFamily="34" charset="-120"/>
-              </a:rPr>
-              <a:t>亮</a:t>
+              <a:t>心中充滿盼望  盼望使眼睛明亮</a:t>
             </a:r>
             <a:endParaRPr lang="en-US" altLang="zh-TW" sz="6400" b="1" dirty="0">
               <a:solidFill>
@@ -3870,37 +3765,47 @@
                 <a:latin typeface="微軟正黑體" pitchFamily="34" charset="-120"/>
                 <a:ea typeface="微軟正黑體" pitchFamily="34" charset="-120"/>
               </a:rPr>
-              <a:t>道</a:t>
-            </a:r>
-            <a:r>
-              <a:rPr lang="zh-TW" altLang="en-US" sz="6400" b="1" dirty="0">
+              <a:t>道路雖崎</a:t>
+            </a:r>
+            <a:r>
+              <a:rPr lang="zh-TW" altLang="en-US" sz="6400" b="1" dirty="0" smtClean="0">
                 <a:solidFill>
                   <a:srgbClr val="660033"/>
                 </a:solidFill>
                 <a:latin typeface="微軟正黑體" pitchFamily="34" charset="-120"/>
                 <a:ea typeface="微軟正黑體" pitchFamily="34" charset="-120"/>
               </a:rPr>
-              <a:t>路雖崎</a:t>
-            </a:r>
-            <a:r>
-              <a:rPr lang="zh-TW" altLang="en-US" sz="6400" b="1" dirty="0">
+              <a:t>嶇  </a:t>
+            </a:r>
+            <a:r>
+              <a:rPr lang="zh-CN" altLang="en-US" sz="6400" b="1" dirty="0" smtClean="0">
                 <a:solidFill>
                   <a:srgbClr val="660033"/>
                 </a:solidFill>
                 <a:latin typeface="微軟正黑體" pitchFamily="34" charset="-120"/>
                 <a:ea typeface="微軟正黑體" pitchFamily="34" charset="-120"/>
               </a:rPr>
-              <a:t>嶇  你</a:t>
-            </a:r>
-            <a:r>
-              <a:rPr lang="zh-TW" altLang="en-US" sz="6400" b="1" dirty="0">
+              <a:t>袮</a:t>
+            </a:r>
+            <a:r>
+              <a:rPr lang="zh-TW" altLang="en-US" sz="6400" b="1" dirty="0" smtClean="0">
                 <a:solidFill>
                   <a:srgbClr val="660033"/>
                 </a:solidFill>
                 <a:latin typeface="微軟正黑體" pitchFamily="34" charset="-120"/>
                 <a:ea typeface="微軟正黑體" pitchFamily="34" charset="-120"/>
               </a:rPr>
-              <a:t>與我同行</a:t>
+              <a:t>與</a:t>
+            </a:r>
+            <a:r>
+              <a:rPr lang="zh-TW" altLang="en-US" sz="6400" b="1" dirty="0">
+                <a:solidFill>
+                  <a:srgbClr val="660033"/>
+                </a:solidFill>
+                <a:latin typeface="微軟正黑體" pitchFamily="34" charset="-120"/>
+                <a:ea typeface="微軟正黑體" pitchFamily="34" charset="-120"/>
+              </a:rPr>
+              <a:t>我同行</a:t>
             </a:r>
             <a:endParaRPr lang="en-US" altLang="zh-TW" sz="6400" b="1" dirty="0">
               <a:solidFill>
@@ -4047,37 +3952,7 @@
                 <a:latin typeface="微軟正黑體" pitchFamily="34" charset="-120"/>
                 <a:ea typeface="微軟正黑體" pitchFamily="34" charset="-120"/>
               </a:rPr>
-              <a:t>心中充滿盼</a:t>
-            </a:r>
-            <a:r>
-              <a:rPr lang="zh-TW" altLang="en-US" sz="6400" b="1" dirty="0">
-                <a:solidFill>
-                  <a:srgbClr val="660033"/>
-                </a:solidFill>
-                <a:latin typeface="微軟正黑體" pitchFamily="34" charset="-120"/>
-                <a:ea typeface="微軟正黑體" pitchFamily="34" charset="-120"/>
-              </a:rPr>
-              <a:t>望  盼</a:t>
-            </a:r>
-            <a:r>
-              <a:rPr lang="zh-TW" altLang="en-US" sz="6400" b="1" dirty="0">
-                <a:solidFill>
-                  <a:srgbClr val="660033"/>
-                </a:solidFill>
-                <a:latin typeface="微軟正黑體" pitchFamily="34" charset="-120"/>
-                <a:ea typeface="微軟正黑體" pitchFamily="34" charset="-120"/>
-              </a:rPr>
-              <a:t>望使信心剛</a:t>
-            </a:r>
-            <a:r>
-              <a:rPr lang="zh-TW" altLang="en-US" sz="6400" b="1" dirty="0">
-                <a:solidFill>
-                  <a:srgbClr val="660033"/>
-                </a:solidFill>
-                <a:latin typeface="微軟正黑體" pitchFamily="34" charset="-120"/>
-                <a:ea typeface="微軟正黑體" pitchFamily="34" charset="-120"/>
-              </a:rPr>
-              <a:t>強</a:t>
+              <a:t>心中充滿盼望  盼望使信心剛強</a:t>
             </a:r>
             <a:endParaRPr lang="en-US" altLang="zh-TW" sz="6400" b="1" dirty="0">
               <a:solidFill>
@@ -4099,37 +3974,7 @@
                 <a:latin typeface="微軟正黑體" pitchFamily="34" charset="-120"/>
                 <a:ea typeface="微軟正黑體" pitchFamily="34" charset="-120"/>
               </a:rPr>
-              <a:t>信</a:t>
-            </a:r>
-            <a:r>
-              <a:rPr lang="zh-TW" altLang="en-US" sz="6400" b="1" dirty="0">
-                <a:solidFill>
-                  <a:srgbClr val="660033"/>
-                </a:solidFill>
-                <a:latin typeface="微軟正黑體" pitchFamily="34" charset="-120"/>
-                <a:ea typeface="微軟正黑體" pitchFamily="34" charset="-120"/>
-              </a:rPr>
-              <a:t>靠每一句應</a:t>
-            </a:r>
-            <a:r>
-              <a:rPr lang="zh-TW" altLang="en-US" sz="6400" b="1" dirty="0">
-                <a:solidFill>
-                  <a:srgbClr val="660033"/>
-                </a:solidFill>
-                <a:latin typeface="微軟正黑體" pitchFamily="34" charset="-120"/>
-                <a:ea typeface="微軟正黑體" pitchFamily="34" charset="-120"/>
-              </a:rPr>
-              <a:t>許  生</a:t>
-            </a:r>
-            <a:r>
-              <a:rPr lang="zh-TW" altLang="en-US" sz="6400" b="1" dirty="0">
-                <a:solidFill>
-                  <a:srgbClr val="660033"/>
-                </a:solidFill>
-                <a:latin typeface="微軟正黑體" pitchFamily="34" charset="-120"/>
-                <a:ea typeface="微軟正黑體" pitchFamily="34" charset="-120"/>
-              </a:rPr>
-              <a:t>命充滿亮光</a:t>
+              <a:t>信靠每一句應許  生命充滿亮光</a:t>
             </a:r>
             <a:endParaRPr lang="en-US" altLang="zh-TW" sz="6400" b="1" dirty="0">
               <a:solidFill>
